--- a/5_seminar/Contents_Part_02/Präsentation_Teil2_Lisa.pptx
+++ b/5_seminar/Contents_Part_02/Präsentation_Teil2_Lisa.pptx
@@ -5,7 +5,7 @@
     <p:sldMasterId id="2147483648" r:id="rId1"/>
   </p:sldMasterIdLst>
   <p:notesMasterIdLst>
-    <p:notesMasterId r:id="rId23"/>
+    <p:notesMasterId r:id="rId26"/>
   </p:notesMasterIdLst>
   <p:sldIdLst>
     <p:sldId id="303" r:id="rId2"/>
@@ -17,18 +17,21 @@
     <p:sldId id="309" r:id="rId8"/>
     <p:sldId id="310" r:id="rId9"/>
     <p:sldId id="311" r:id="rId10"/>
-    <p:sldId id="278" r:id="rId11"/>
-    <p:sldId id="279" r:id="rId12"/>
-    <p:sldId id="280" r:id="rId13"/>
-    <p:sldId id="283" r:id="rId14"/>
-    <p:sldId id="284" r:id="rId15"/>
-    <p:sldId id="286" r:id="rId16"/>
-    <p:sldId id="287" r:id="rId17"/>
-    <p:sldId id="288" r:id="rId18"/>
-    <p:sldId id="272" r:id="rId19"/>
-    <p:sldId id="267" r:id="rId20"/>
-    <p:sldId id="273" r:id="rId21"/>
-    <p:sldId id="274" r:id="rId22"/>
+    <p:sldId id="312" r:id="rId11"/>
+    <p:sldId id="313" r:id="rId12"/>
+    <p:sldId id="314" r:id="rId13"/>
+    <p:sldId id="315" r:id="rId14"/>
+    <p:sldId id="317" r:id="rId15"/>
+    <p:sldId id="316" r:id="rId16"/>
+    <p:sldId id="283" r:id="rId17"/>
+    <p:sldId id="284" r:id="rId18"/>
+    <p:sldId id="286" r:id="rId19"/>
+    <p:sldId id="287" r:id="rId20"/>
+    <p:sldId id="288" r:id="rId21"/>
+    <p:sldId id="272" r:id="rId22"/>
+    <p:sldId id="267" r:id="rId23"/>
+    <p:sldId id="273" r:id="rId24"/>
+    <p:sldId id="274" r:id="rId25"/>
   </p:sldIdLst>
   <p:sldSz cx="12192000" cy="6858000"/>
   <p:notesSz cx="6858000" cy="9144000"/>
@@ -625,41 +628,24 @@
           <a:bodyPr/>
           <a:lstStyle/>
           <a:p>
-            <a:r>
-              <a:rPr lang="de-DE" dirty="0"/>
-              <a:t>Ziel ist möglichst gute Suchergebnisse zu liefern</a:t>
-            </a:r>
-          </a:p>
-          <a:p>
-            <a:r>
-              <a:rPr lang="de-DE" dirty="0"/>
-              <a:t>Dafür werden verschiedene Verfahren eingesetzt. </a:t>
-            </a:r>
-          </a:p>
-          <a:p>
-            <a:r>
-              <a:rPr lang="de-DE" dirty="0" err="1"/>
-              <a:t>Stemming</a:t>
-            </a:r>
-            <a:r>
-              <a:rPr lang="de-DE" dirty="0"/>
-              <a:t> (Grundformenreduktion) ist ein Verfahren, mit dem verschiedene morphologische Varianten eines Wortes auf ihren gemeinsamen Wortstamm (</a:t>
-            </a:r>
-            <a:r>
-              <a:rPr lang="de-DE" dirty="0" err="1"/>
-              <a:t>stem</a:t>
-            </a:r>
-            <a:r>
-              <a:rPr lang="de-DE" dirty="0"/>
-              <a:t>) zurückgeführt werden </a:t>
-            </a:r>
-          </a:p>
-          <a:p>
-            <a:r>
-              <a:rPr lang="de-DE" dirty="0"/>
-              <a:t>Die Idee: die eigentliche lexikalische Bedeutung eines Wortes ist in seinem Stamm zu finden</a:t>
-            </a:r>
-            <a:endParaRPr lang="en-US" dirty="0"/>
+            <a:pPr marL="0" marR="0" lvl="0" indent="0" algn="l" defTabSz="914400" rtl="0" eaLnBrk="1" fontAlgn="auto" latinLnBrk="0" hangingPunct="1">
+              <a:lnSpc>
+                <a:spcPct val="100000"/>
+              </a:lnSpc>
+              <a:spcBef>
+                <a:spcPts val="0"/>
+              </a:spcBef>
+              <a:spcAft>
+                <a:spcPts val="0"/>
+              </a:spcAft>
+              <a:buClrTx/>
+              <a:buSzTx/>
+              <a:buFontTx/>
+              <a:buNone/>
+              <a:tabLst/>
+              <a:defRPr/>
+            </a:pPr>
+            <a:endParaRPr lang="en-US" b="1"/>
           </a:p>
         </p:txBody>
       </p:sp>
@@ -680,7 +666,7 @@
           <a:p>
             <a:fld id="{20A41429-B750-4047-B563-2878417A70E7}" type="slidenum">
               <a:rPr lang="en-US" smtClean="0"/>
-              <a:t>16</a:t>
+              <a:t>12</a:t>
             </a:fld>
             <a:endParaRPr lang="en-US"/>
           </a:p>
@@ -689,7 +675,7 @@
     </p:spTree>
     <p:extLst>
       <p:ext uri="{BB962C8B-B14F-4D97-AF65-F5344CB8AC3E}">
-        <p14:creationId xmlns:p14="http://schemas.microsoft.com/office/powerpoint/2010/main" val="2576706226"/>
+        <p14:creationId xmlns:p14="http://schemas.microsoft.com/office/powerpoint/2010/main" val="2021608663"/>
       </p:ext>
     </p:extLst>
   </p:cSld>
@@ -743,6 +729,445 @@
           <a:bodyPr/>
           <a:lstStyle/>
           <a:p>
+            <a:pPr marL="0" marR="0" lvl="0" indent="0" algn="l" defTabSz="914400" rtl="0" eaLnBrk="1" fontAlgn="auto" latinLnBrk="0" hangingPunct="1">
+              <a:lnSpc>
+                <a:spcPct val="100000"/>
+              </a:lnSpc>
+              <a:spcBef>
+                <a:spcPts val="0"/>
+              </a:spcBef>
+              <a:spcAft>
+                <a:spcPts val="0"/>
+              </a:spcAft>
+              <a:buClrTx/>
+              <a:buSzTx/>
+              <a:buFontTx/>
+              <a:buNone/>
+              <a:tabLst/>
+              <a:defRPr/>
+            </a:pPr>
+            <a:endParaRPr lang="en-US" b="1"/>
+          </a:p>
+        </p:txBody>
+      </p:sp>
+      <p:sp>
+        <p:nvSpPr>
+          <p:cNvPr id="4" name="Foliennummernplatzhalter 3"/>
+          <p:cNvSpPr>
+            <a:spLocks noGrp="1"/>
+          </p:cNvSpPr>
+          <p:nvPr>
+            <p:ph type="sldNum" sz="quarter" idx="10"/>
+          </p:nvPr>
+        </p:nvSpPr>
+        <p:spPr/>
+        <p:txBody>
+          <a:bodyPr/>
+          <a:lstStyle/>
+          <a:p>
+            <a:fld id="{20A41429-B750-4047-B563-2878417A70E7}" type="slidenum">
+              <a:rPr lang="en-US" smtClean="0"/>
+              <a:t>13</a:t>
+            </a:fld>
+            <a:endParaRPr lang="en-US"/>
+          </a:p>
+        </p:txBody>
+      </p:sp>
+    </p:spTree>
+    <p:extLst>
+      <p:ext uri="{BB962C8B-B14F-4D97-AF65-F5344CB8AC3E}">
+        <p14:creationId xmlns:p14="http://schemas.microsoft.com/office/powerpoint/2010/main" val="2814266708"/>
+      </p:ext>
+    </p:extLst>
+  </p:cSld>
+  <p:clrMapOvr>
+    <a:masterClrMapping/>
+  </p:clrMapOvr>
+</p:notes>
+</file>
+
+<file path=ppt/notesSlides/notesSlide12.xml><?xml version="1.0" encoding="utf-8"?>
+<p:notes xmlns:a="http://schemas.openxmlformats.org/drawingml/2006/main" xmlns:r="http://schemas.openxmlformats.org/officeDocument/2006/relationships" xmlns:p="http://schemas.openxmlformats.org/presentationml/2006/main">
+  <p:cSld>
+    <p:spTree>
+      <p:nvGrpSpPr>
+        <p:cNvPr id="1" name=""/>
+        <p:cNvGrpSpPr/>
+        <p:nvPr/>
+      </p:nvGrpSpPr>
+      <p:grpSpPr>
+        <a:xfrm>
+          <a:off x="0" y="0"/>
+          <a:ext cx="0" cy="0"/>
+          <a:chOff x="0" y="0"/>
+          <a:chExt cx="0" cy="0"/>
+        </a:xfrm>
+      </p:grpSpPr>
+      <p:sp>
+        <p:nvSpPr>
+          <p:cNvPr id="2" name="Folienbildplatzhalter 1"/>
+          <p:cNvSpPr>
+            <a:spLocks noGrp="1" noRot="1" noChangeAspect="1"/>
+          </p:cNvSpPr>
+          <p:nvPr>
+            <p:ph type="sldImg"/>
+          </p:nvPr>
+        </p:nvSpPr>
+        <p:spPr/>
+      </p:sp>
+      <p:sp>
+        <p:nvSpPr>
+          <p:cNvPr id="3" name="Notizenplatzhalter 2"/>
+          <p:cNvSpPr>
+            <a:spLocks noGrp="1"/>
+          </p:cNvSpPr>
+          <p:nvPr>
+            <p:ph type="body" idx="1"/>
+          </p:nvPr>
+        </p:nvSpPr>
+        <p:spPr/>
+        <p:txBody>
+          <a:bodyPr/>
+          <a:lstStyle/>
+          <a:p>
+            <a:pPr marL="0" marR="0" lvl="0" indent="0" algn="l" defTabSz="914400" rtl="0" eaLnBrk="1" fontAlgn="auto" latinLnBrk="0" hangingPunct="1">
+              <a:lnSpc>
+                <a:spcPct val="100000"/>
+              </a:lnSpc>
+              <a:spcBef>
+                <a:spcPts val="0"/>
+              </a:spcBef>
+              <a:spcAft>
+                <a:spcPts val="0"/>
+              </a:spcAft>
+              <a:buClrTx/>
+              <a:buSzTx/>
+              <a:buFontTx/>
+              <a:buNone/>
+              <a:tabLst/>
+              <a:defRPr/>
+            </a:pPr>
+            <a:endParaRPr lang="en-US" b="1"/>
+          </a:p>
+        </p:txBody>
+      </p:sp>
+      <p:sp>
+        <p:nvSpPr>
+          <p:cNvPr id="4" name="Foliennummernplatzhalter 3"/>
+          <p:cNvSpPr>
+            <a:spLocks noGrp="1"/>
+          </p:cNvSpPr>
+          <p:nvPr>
+            <p:ph type="sldNum" sz="quarter" idx="10"/>
+          </p:nvPr>
+        </p:nvSpPr>
+        <p:spPr/>
+        <p:txBody>
+          <a:bodyPr/>
+          <a:lstStyle/>
+          <a:p>
+            <a:fld id="{20A41429-B750-4047-B563-2878417A70E7}" type="slidenum">
+              <a:rPr lang="en-US" smtClean="0"/>
+              <a:t>14</a:t>
+            </a:fld>
+            <a:endParaRPr lang="en-US"/>
+          </a:p>
+        </p:txBody>
+      </p:sp>
+    </p:spTree>
+    <p:extLst>
+      <p:ext uri="{BB962C8B-B14F-4D97-AF65-F5344CB8AC3E}">
+        <p14:creationId xmlns:p14="http://schemas.microsoft.com/office/powerpoint/2010/main" val="2952473735"/>
+      </p:ext>
+    </p:extLst>
+  </p:cSld>
+  <p:clrMapOvr>
+    <a:masterClrMapping/>
+  </p:clrMapOvr>
+</p:notes>
+</file>
+
+<file path=ppt/notesSlides/notesSlide13.xml><?xml version="1.0" encoding="utf-8"?>
+<p:notes xmlns:a="http://schemas.openxmlformats.org/drawingml/2006/main" xmlns:r="http://schemas.openxmlformats.org/officeDocument/2006/relationships" xmlns:p="http://schemas.openxmlformats.org/presentationml/2006/main">
+  <p:cSld>
+    <p:spTree>
+      <p:nvGrpSpPr>
+        <p:cNvPr id="1" name=""/>
+        <p:cNvGrpSpPr/>
+        <p:nvPr/>
+      </p:nvGrpSpPr>
+      <p:grpSpPr>
+        <a:xfrm>
+          <a:off x="0" y="0"/>
+          <a:ext cx="0" cy="0"/>
+          <a:chOff x="0" y="0"/>
+          <a:chExt cx="0" cy="0"/>
+        </a:xfrm>
+      </p:grpSpPr>
+      <p:sp>
+        <p:nvSpPr>
+          <p:cNvPr id="2" name="Folienbildplatzhalter 1"/>
+          <p:cNvSpPr>
+            <a:spLocks noGrp="1" noRot="1" noChangeAspect="1"/>
+          </p:cNvSpPr>
+          <p:nvPr>
+            <p:ph type="sldImg"/>
+          </p:nvPr>
+        </p:nvSpPr>
+        <p:spPr/>
+      </p:sp>
+      <p:sp>
+        <p:nvSpPr>
+          <p:cNvPr id="3" name="Notizenplatzhalter 2"/>
+          <p:cNvSpPr>
+            <a:spLocks noGrp="1"/>
+          </p:cNvSpPr>
+          <p:nvPr>
+            <p:ph type="body" idx="1"/>
+          </p:nvPr>
+        </p:nvSpPr>
+        <p:spPr/>
+        <p:txBody>
+          <a:bodyPr/>
+          <a:lstStyle/>
+          <a:p>
+            <a:r>
+              <a:rPr lang="en-GB" sz="1200" b="0" i="0" u="none" strike="noStrike" kern="1200" baseline="0" dirty="0">
+                <a:solidFill>
+                  <a:schemeClr val="tx1"/>
+                </a:solidFill>
+                <a:latin typeface="+mn-lt"/>
+                <a:ea typeface="+mn-ea"/>
+                <a:cs typeface="+mn-cs"/>
+              </a:rPr>
+              <a:t>punctuation or special characters do not have much significance when we</a:t>
+            </a:r>
+          </a:p>
+          <a:p>
+            <a:r>
+              <a:rPr lang="en-GB" sz="1200" b="0" i="0" u="none" strike="noStrike" kern="1200" baseline="0" dirty="0" err="1">
+                <a:solidFill>
+                  <a:schemeClr val="tx1"/>
+                </a:solidFill>
+                <a:latin typeface="+mn-lt"/>
+                <a:ea typeface="+mn-ea"/>
+                <a:cs typeface="+mn-cs"/>
+              </a:rPr>
+              <a:t>analyze</a:t>
+            </a:r>
+            <a:r>
+              <a:rPr lang="en-GB" sz="1200" b="0" i="0" u="none" strike="noStrike" kern="1200" baseline="0" dirty="0">
+                <a:solidFill>
+                  <a:schemeClr val="tx1"/>
+                </a:solidFill>
+                <a:latin typeface="+mn-lt"/>
+                <a:ea typeface="+mn-ea"/>
+                <a:cs typeface="+mn-cs"/>
+              </a:rPr>
+              <a:t> the text and utilize it for extracting features or information based on NLP and ML.</a:t>
+            </a:r>
+            <a:endParaRPr lang="en-US" dirty="0"/>
+          </a:p>
+        </p:txBody>
+      </p:sp>
+      <p:sp>
+        <p:nvSpPr>
+          <p:cNvPr id="4" name="Foliennummernplatzhalter 3"/>
+          <p:cNvSpPr>
+            <a:spLocks noGrp="1"/>
+          </p:cNvSpPr>
+          <p:nvPr>
+            <p:ph type="sldNum" sz="quarter" idx="10"/>
+          </p:nvPr>
+        </p:nvSpPr>
+        <p:spPr/>
+        <p:txBody>
+          <a:bodyPr/>
+          <a:lstStyle/>
+          <a:p>
+            <a:fld id="{20A41429-B750-4047-B563-2878417A70E7}" type="slidenum">
+              <a:rPr lang="en-US" smtClean="0"/>
+              <a:t>18</a:t>
+            </a:fld>
+            <a:endParaRPr lang="en-US"/>
+          </a:p>
+        </p:txBody>
+      </p:sp>
+    </p:spTree>
+    <p:extLst>
+      <p:ext uri="{BB962C8B-B14F-4D97-AF65-F5344CB8AC3E}">
+        <p14:creationId xmlns:p14="http://schemas.microsoft.com/office/powerpoint/2010/main" val="1694319317"/>
+      </p:ext>
+    </p:extLst>
+  </p:cSld>
+  <p:clrMapOvr>
+    <a:masterClrMapping/>
+  </p:clrMapOvr>
+</p:notes>
+</file>
+
+<file path=ppt/notesSlides/notesSlide14.xml><?xml version="1.0" encoding="utf-8"?>
+<p:notes xmlns:a="http://schemas.openxmlformats.org/drawingml/2006/main" xmlns:r="http://schemas.openxmlformats.org/officeDocument/2006/relationships" xmlns:p="http://schemas.openxmlformats.org/presentationml/2006/main">
+  <p:cSld>
+    <p:spTree>
+      <p:nvGrpSpPr>
+        <p:cNvPr id="1" name=""/>
+        <p:cNvGrpSpPr/>
+        <p:nvPr/>
+      </p:nvGrpSpPr>
+      <p:grpSpPr>
+        <a:xfrm>
+          <a:off x="0" y="0"/>
+          <a:ext cx="0" cy="0"/>
+          <a:chOff x="0" y="0"/>
+          <a:chExt cx="0" cy="0"/>
+        </a:xfrm>
+      </p:grpSpPr>
+      <p:sp>
+        <p:nvSpPr>
+          <p:cNvPr id="2" name="Folienbildplatzhalter 1"/>
+          <p:cNvSpPr>
+            <a:spLocks noGrp="1" noRot="1" noChangeAspect="1"/>
+          </p:cNvSpPr>
+          <p:nvPr>
+            <p:ph type="sldImg"/>
+          </p:nvPr>
+        </p:nvSpPr>
+        <p:spPr/>
+      </p:sp>
+      <p:sp>
+        <p:nvSpPr>
+          <p:cNvPr id="3" name="Notizenplatzhalter 2"/>
+          <p:cNvSpPr>
+            <a:spLocks noGrp="1"/>
+          </p:cNvSpPr>
+          <p:nvPr>
+            <p:ph type="body" idx="1"/>
+          </p:nvPr>
+        </p:nvSpPr>
+        <p:spPr/>
+        <p:txBody>
+          <a:bodyPr/>
+          <a:lstStyle/>
+          <a:p>
+            <a:r>
+              <a:rPr lang="de-DE" dirty="0"/>
+              <a:t>Ziel ist möglichst gute Suchergebnisse zu liefern</a:t>
+            </a:r>
+          </a:p>
+          <a:p>
+            <a:r>
+              <a:rPr lang="de-DE" dirty="0"/>
+              <a:t>Dafür werden verschiedene Verfahren eingesetzt. </a:t>
+            </a:r>
+          </a:p>
+          <a:p>
+            <a:r>
+              <a:rPr lang="de-DE" dirty="0" err="1"/>
+              <a:t>Stemming</a:t>
+            </a:r>
+            <a:r>
+              <a:rPr lang="de-DE" dirty="0"/>
+              <a:t> (Grundformenreduktion) ist ein Verfahren, mit dem verschiedene morphologische Varianten eines Wortes auf ihren gemeinsamen Wortstamm (</a:t>
+            </a:r>
+            <a:r>
+              <a:rPr lang="de-DE" dirty="0" err="1"/>
+              <a:t>stem</a:t>
+            </a:r>
+            <a:r>
+              <a:rPr lang="de-DE" dirty="0"/>
+              <a:t>) zurückgeführt werden </a:t>
+            </a:r>
+          </a:p>
+          <a:p>
+            <a:r>
+              <a:rPr lang="de-DE" dirty="0"/>
+              <a:t>Die Idee: die eigentliche lexikalische Bedeutung eines Wortes ist in seinem Stamm zu finden</a:t>
+            </a:r>
+            <a:endParaRPr lang="en-US" dirty="0"/>
+          </a:p>
+        </p:txBody>
+      </p:sp>
+      <p:sp>
+        <p:nvSpPr>
+          <p:cNvPr id="4" name="Foliennummernplatzhalter 3"/>
+          <p:cNvSpPr>
+            <a:spLocks noGrp="1"/>
+          </p:cNvSpPr>
+          <p:nvPr>
+            <p:ph type="sldNum" sz="quarter" idx="10"/>
+          </p:nvPr>
+        </p:nvSpPr>
+        <p:spPr/>
+        <p:txBody>
+          <a:bodyPr/>
+          <a:lstStyle/>
+          <a:p>
+            <a:fld id="{20A41429-B750-4047-B563-2878417A70E7}" type="slidenum">
+              <a:rPr lang="en-US" smtClean="0"/>
+              <a:t>19</a:t>
+            </a:fld>
+            <a:endParaRPr lang="en-US"/>
+          </a:p>
+        </p:txBody>
+      </p:sp>
+    </p:spTree>
+    <p:extLst>
+      <p:ext uri="{BB962C8B-B14F-4D97-AF65-F5344CB8AC3E}">
+        <p14:creationId xmlns:p14="http://schemas.microsoft.com/office/powerpoint/2010/main" val="2576706226"/>
+      </p:ext>
+    </p:extLst>
+  </p:cSld>
+  <p:clrMapOvr>
+    <a:masterClrMapping/>
+  </p:clrMapOvr>
+</p:notes>
+</file>
+
+<file path=ppt/notesSlides/notesSlide15.xml><?xml version="1.0" encoding="utf-8"?>
+<p:notes xmlns:a="http://schemas.openxmlformats.org/drawingml/2006/main" xmlns:r="http://schemas.openxmlformats.org/officeDocument/2006/relationships" xmlns:p="http://schemas.openxmlformats.org/presentationml/2006/main">
+  <p:cSld>
+    <p:spTree>
+      <p:nvGrpSpPr>
+        <p:cNvPr id="1" name=""/>
+        <p:cNvGrpSpPr/>
+        <p:nvPr/>
+      </p:nvGrpSpPr>
+      <p:grpSpPr>
+        <a:xfrm>
+          <a:off x="0" y="0"/>
+          <a:ext cx="0" cy="0"/>
+          <a:chOff x="0" y="0"/>
+          <a:chExt cx="0" cy="0"/>
+        </a:xfrm>
+      </p:grpSpPr>
+      <p:sp>
+        <p:nvSpPr>
+          <p:cNvPr id="2" name="Folienbildplatzhalter 1"/>
+          <p:cNvSpPr>
+            <a:spLocks noGrp="1" noRot="1" noChangeAspect="1"/>
+          </p:cNvSpPr>
+          <p:nvPr>
+            <p:ph type="sldImg"/>
+          </p:nvPr>
+        </p:nvSpPr>
+        <p:spPr/>
+      </p:sp>
+      <p:sp>
+        <p:nvSpPr>
+          <p:cNvPr id="3" name="Notizenplatzhalter 2"/>
+          <p:cNvSpPr>
+            <a:spLocks noGrp="1"/>
+          </p:cNvSpPr>
+          <p:nvPr>
+            <p:ph type="body" idx="1"/>
+          </p:nvPr>
+        </p:nvSpPr>
+        <p:spPr/>
+        <p:txBody>
+          <a:bodyPr/>
+          <a:lstStyle/>
+          <a:p>
             <a:r>
               <a:rPr lang="en-US" dirty="0"/>
               <a:t>Slower </a:t>
@@ -813,7 +1238,7 @@
           <a:p>
             <a:fld id="{20A41429-B750-4047-B563-2878417A70E7}" type="slidenum">
               <a:rPr lang="en-US" smtClean="0"/>
-              <a:t>17</a:t>
+              <a:t>20</a:t>
             </a:fld>
             <a:endParaRPr lang="en-US"/>
           </a:p>
@@ -1657,7 +2082,7 @@
           <a:lstStyle/>
           <a:p>
             <a:r>
-              <a:rPr lang="en-GB" sz="1200" b="0" i="0" kern="1200" dirty="0">
+              <a:rPr lang="en-GB" sz="1200" b="0" i="0" kern="1200">
                 <a:solidFill>
                   <a:schemeClr val="tx1"/>
                 </a:solidFill>
@@ -1668,7 +2093,55 @@
               </a:rPr>
               <a:t>popular feature films of 2016</a:t>
             </a:r>
-            <a:endParaRPr lang="en-US" dirty="0"/>
+          </a:p>
+          <a:p>
+            <a:r>
+              <a:rPr lang="en-GB" sz="1200" b="0" i="0" kern="1200">
+                <a:solidFill>
+                  <a:schemeClr val="tx1"/>
+                </a:solidFill>
+                <a:effectLst/>
+                <a:latin typeface="+mn-lt"/>
+                <a:ea typeface="+mn-ea"/>
+                <a:cs typeface="+mn-cs"/>
+              </a:rPr>
+              <a:t>using Google chrome and I can access the extension in the extension bar to the top right</a:t>
+            </a:r>
+          </a:p>
+          <a:p>
+            <a:r>
+              <a:rPr lang="en-GB" sz="1200" b="0" i="0" kern="1200">
+                <a:solidFill>
+                  <a:schemeClr val="tx1"/>
+                </a:solidFill>
+                <a:effectLst/>
+                <a:latin typeface="+mn-lt"/>
+                <a:ea typeface="+mn-ea"/>
+                <a:cs typeface="+mn-cs"/>
+              </a:rPr>
+              <a:t>electorGadet allows the user to click on the page element of interest and have that element identifier presented to the user. This tool greatly reduces the time associated with locating CSS selectors through the websites developer section. Once installed, the selector gadget will be located in the upper-right corner of your web browser; click on it to open the interface.</a:t>
+            </a:r>
+            <a:endParaRPr lang="en-US"/>
+          </a:p>
+          <a:p>
+            <a:pPr marL="0" marR="0" lvl="0" indent="0" algn="l" defTabSz="914400" rtl="0" eaLnBrk="1" fontAlgn="auto" latinLnBrk="0" hangingPunct="1">
+              <a:lnSpc>
+                <a:spcPct val="100000"/>
+              </a:lnSpc>
+              <a:spcBef>
+                <a:spcPts val="0"/>
+              </a:spcBef>
+              <a:spcAft>
+                <a:spcPts val="0"/>
+              </a:spcAft>
+              <a:buClrTx/>
+              <a:buSzTx/>
+              <a:buFontTx/>
+              <a:buNone/>
+              <a:tabLst/>
+              <a:defRPr/>
+            </a:pPr>
+            <a:endParaRPr lang="en-US" b="1"/>
           </a:p>
         </p:txBody>
       </p:sp>
@@ -1698,7 +2171,7 @@
     </p:spTree>
     <p:extLst>
       <p:ext uri="{BB962C8B-B14F-4D97-AF65-F5344CB8AC3E}">
-        <p14:creationId xmlns:p14="http://schemas.microsoft.com/office/powerpoint/2010/main" val="3612724440"/>
+        <p14:creationId xmlns:p14="http://schemas.microsoft.com/office/powerpoint/2010/main" val="3492259212"/>
       </p:ext>
     </p:extLst>
   </p:cSld>
@@ -1752,42 +2225,24 @@
           <a:bodyPr/>
           <a:lstStyle/>
           <a:p>
-            <a:r>
-              <a:rPr lang="en-GB" sz="1200" b="0" i="0" u="none" strike="noStrike" kern="1200" baseline="0" dirty="0">
-                <a:solidFill>
-                  <a:schemeClr val="tx1"/>
-                </a:solidFill>
-                <a:latin typeface="+mn-lt"/>
-                <a:ea typeface="+mn-ea"/>
-                <a:cs typeface="+mn-cs"/>
-              </a:rPr>
-              <a:t>punctuation or special characters do not have much significance when we</a:t>
-            </a:r>
-          </a:p>
-          <a:p>
-            <a:r>
-              <a:rPr lang="en-GB" sz="1200" b="0" i="0" u="none" strike="noStrike" kern="1200" baseline="0" dirty="0" err="1">
-                <a:solidFill>
-                  <a:schemeClr val="tx1"/>
-                </a:solidFill>
-                <a:latin typeface="+mn-lt"/>
-                <a:ea typeface="+mn-ea"/>
-                <a:cs typeface="+mn-cs"/>
-              </a:rPr>
-              <a:t>analyze</a:t>
-            </a:r>
-            <a:r>
-              <a:rPr lang="en-GB" sz="1200" b="0" i="0" u="none" strike="noStrike" kern="1200" baseline="0" dirty="0">
-                <a:solidFill>
-                  <a:schemeClr val="tx1"/>
-                </a:solidFill>
-                <a:latin typeface="+mn-lt"/>
-                <a:ea typeface="+mn-ea"/>
-                <a:cs typeface="+mn-cs"/>
-              </a:rPr>
-              <a:t> the text and utilize it for extracting features or information based on NLP and ML.</a:t>
-            </a:r>
-            <a:endParaRPr lang="en-US" dirty="0"/>
+            <a:pPr marL="0" marR="0" lvl="0" indent="0" algn="l" defTabSz="914400" rtl="0" eaLnBrk="1" fontAlgn="auto" latinLnBrk="0" hangingPunct="1">
+              <a:lnSpc>
+                <a:spcPct val="100000"/>
+              </a:lnSpc>
+              <a:spcBef>
+                <a:spcPts val="0"/>
+              </a:spcBef>
+              <a:spcAft>
+                <a:spcPts val="0"/>
+              </a:spcAft>
+              <a:buClrTx/>
+              <a:buSzTx/>
+              <a:buFontTx/>
+              <a:buNone/>
+              <a:tabLst/>
+              <a:defRPr/>
+            </a:pPr>
+            <a:endParaRPr lang="en-US" b="1"/>
           </a:p>
         </p:txBody>
       </p:sp>
@@ -1808,7 +2263,7 @@
           <a:p>
             <a:fld id="{20A41429-B750-4047-B563-2878417A70E7}" type="slidenum">
               <a:rPr lang="en-US" smtClean="0"/>
-              <a:t>15</a:t>
+              <a:t>11</a:t>
             </a:fld>
             <a:endParaRPr lang="en-US"/>
           </a:p>
@@ -1817,7 +2272,7 @@
     </p:spTree>
     <p:extLst>
       <p:ext uri="{BB962C8B-B14F-4D97-AF65-F5344CB8AC3E}">
-        <p14:creationId xmlns:p14="http://schemas.microsoft.com/office/powerpoint/2010/main" val="1694319317"/>
+        <p14:creationId xmlns:p14="http://schemas.microsoft.com/office/powerpoint/2010/main" val="3828751355"/>
       </p:ext>
     </p:extLst>
   </p:cSld>
@@ -4852,399 +5307,6 @@
       </p:grpSpPr>
       <p:sp>
         <p:nvSpPr>
-          <p:cNvPr id="2" name="Titel 1"/>
-          <p:cNvSpPr>
-            <a:spLocks noGrp="1"/>
-          </p:cNvSpPr>
-          <p:nvPr>
-            <p:ph type="title"/>
-          </p:nvPr>
-        </p:nvSpPr>
-        <p:spPr/>
-        <p:txBody>
-          <a:bodyPr/>
-          <a:lstStyle/>
-          <a:p>
-            <a:r>
-              <a:rPr lang="en-US" dirty="0"/>
-              <a:t>Scraping Twitter Data </a:t>
-            </a:r>
-            <a:endParaRPr lang="en-US" b="1" dirty="0"/>
-          </a:p>
-        </p:txBody>
-      </p:sp>
-      <p:sp>
-        <p:nvSpPr>
-          <p:cNvPr id="3" name="Inhaltsplatzhalter 2"/>
-          <p:cNvSpPr>
-            <a:spLocks noGrp="1"/>
-          </p:cNvSpPr>
-          <p:nvPr>
-            <p:ph idx="1"/>
-          </p:nvPr>
-        </p:nvSpPr>
-        <p:spPr>
-          <a:xfrm>
-            <a:off x="838200" y="1825625"/>
-            <a:ext cx="10327105" cy="4895850"/>
-          </a:xfrm>
-        </p:spPr>
-        <p:txBody>
-          <a:bodyPr>
-            <a:normAutofit/>
-          </a:bodyPr>
-          <a:lstStyle/>
-          <a:p>
-            <a:pPr lvl="1"/>
-            <a:endParaRPr lang="en-US" dirty="0"/>
-          </a:p>
-          <a:p>
-            <a:pPr lvl="1"/>
-            <a:r>
-              <a:rPr lang="de-DE" dirty="0" err="1"/>
-              <a:t>Install</a:t>
-            </a:r>
-            <a:r>
-              <a:rPr lang="de-DE" dirty="0"/>
-              <a:t> „</a:t>
-            </a:r>
-            <a:r>
-              <a:rPr lang="de-DE" dirty="0" err="1"/>
-              <a:t>rtweet</a:t>
-            </a:r>
-            <a:r>
-              <a:rPr lang="de-DE" dirty="0"/>
-              <a:t>“ </a:t>
-            </a:r>
-            <a:r>
-              <a:rPr lang="de-DE" dirty="0" err="1"/>
-              <a:t>package</a:t>
-            </a:r>
-            <a:endParaRPr lang="de-DE" dirty="0"/>
-          </a:p>
-          <a:p>
-            <a:pPr lvl="1"/>
-            <a:r>
-              <a:rPr lang="de-DE" dirty="0"/>
-              <a:t>Setup </a:t>
-            </a:r>
-            <a:r>
-              <a:rPr lang="de-DE" dirty="0" err="1"/>
-              <a:t>twitter</a:t>
-            </a:r>
-            <a:r>
-              <a:rPr lang="de-DE" dirty="0"/>
-              <a:t> </a:t>
-            </a:r>
-            <a:r>
-              <a:rPr lang="de-DE" dirty="0" err="1"/>
-              <a:t>account</a:t>
-            </a:r>
-            <a:r>
-              <a:rPr lang="de-DE" dirty="0"/>
-              <a:t>:</a:t>
-            </a:r>
-          </a:p>
-          <a:p>
-            <a:pPr marL="457200" lvl="1" indent="0">
-              <a:buNone/>
-            </a:pPr>
-            <a:r>
-              <a:rPr lang="de-DE" dirty="0"/>
-              <a:t>	1) Create a </a:t>
-            </a:r>
-            <a:r>
-              <a:rPr lang="de-DE" dirty="0" err="1"/>
-              <a:t>twitter</a:t>
-            </a:r>
-            <a:r>
-              <a:rPr lang="de-DE" dirty="0"/>
-              <a:t> </a:t>
-            </a:r>
-            <a:r>
-              <a:rPr lang="de-DE" dirty="0" err="1"/>
-              <a:t>account</a:t>
-            </a:r>
-            <a:r>
-              <a:rPr lang="de-DE" dirty="0"/>
-              <a:t>: </a:t>
-            </a:r>
-            <a:r>
-              <a:rPr lang="en-GB" dirty="0">
-                <a:hlinkClick r:id="rId3"/>
-              </a:rPr>
-              <a:t>http://twitter.com/signup</a:t>
-            </a:r>
-            <a:r>
-              <a:rPr lang="de-DE" dirty="0"/>
-              <a:t>	</a:t>
-            </a:r>
-          </a:p>
-          <a:p>
-            <a:pPr marL="457200" lvl="1" indent="0">
-              <a:buNone/>
-            </a:pPr>
-            <a:r>
-              <a:rPr lang="de-DE" dirty="0"/>
-              <a:t>	2) </a:t>
-            </a:r>
-            <a:r>
-              <a:rPr lang="de-DE" dirty="0" err="1"/>
-              <a:t>Apply</a:t>
-            </a:r>
-            <a:r>
-              <a:rPr lang="de-DE" dirty="0"/>
-              <a:t> </a:t>
-            </a:r>
-            <a:r>
-              <a:rPr lang="de-DE" dirty="0" err="1"/>
-              <a:t>for</a:t>
-            </a:r>
-            <a:r>
-              <a:rPr lang="de-DE" dirty="0"/>
-              <a:t> a </a:t>
-            </a:r>
-            <a:r>
-              <a:rPr lang="de-DE" dirty="0" err="1"/>
-              <a:t>developer</a:t>
-            </a:r>
-            <a:r>
-              <a:rPr lang="de-DE" dirty="0"/>
-              <a:t> </a:t>
-            </a:r>
-            <a:r>
-              <a:rPr lang="de-DE" dirty="0" err="1"/>
-              <a:t>account</a:t>
-            </a:r>
-            <a:r>
-              <a:rPr lang="de-DE" dirty="0"/>
-              <a:t> </a:t>
-            </a:r>
-            <a:r>
-              <a:rPr lang="de-DE" dirty="0" err="1"/>
-              <a:t>by</a:t>
-            </a:r>
-            <a:r>
-              <a:rPr lang="de-DE" dirty="0"/>
-              <a:t> </a:t>
-            </a:r>
-            <a:r>
-              <a:rPr lang="de-DE" dirty="0" err="1"/>
-              <a:t>filling</a:t>
-            </a:r>
-            <a:r>
-              <a:rPr lang="de-DE" dirty="0"/>
-              <a:t> in a </a:t>
-            </a:r>
-            <a:r>
-              <a:rPr lang="de-DE" dirty="0" err="1"/>
-              <a:t>shor</a:t>
-            </a:r>
-            <a:r>
-              <a:rPr lang="de-DE" dirty="0"/>
-              <a:t> </a:t>
-            </a:r>
-            <a:r>
-              <a:rPr lang="de-DE" dirty="0" err="1"/>
-              <a:t>application</a:t>
-            </a:r>
-            <a:r>
-              <a:rPr lang="de-DE" dirty="0"/>
-              <a:t> form: </a:t>
-            </a:r>
-            <a:r>
-              <a:rPr lang="en-GB" dirty="0"/>
-              <a:t> </a:t>
-            </a:r>
-            <a:r>
-              <a:rPr lang="en-GB" u="sng" dirty="0">
-                <a:hlinkClick r:id="rId4"/>
-              </a:rPr>
-              <a:t>https://developer.twitter.com/en/apply-for-access.html</a:t>
-            </a:r>
-            <a:endParaRPr lang="de-DE" dirty="0"/>
-          </a:p>
-          <a:p>
-            <a:pPr marL="457200" lvl="1" indent="0">
-              <a:buNone/>
-            </a:pPr>
-            <a:r>
-              <a:rPr lang="de-DE" dirty="0"/>
-              <a:t>	3) Click on „</a:t>
-            </a:r>
-            <a:r>
-              <a:rPr lang="de-DE" dirty="0" err="1"/>
-              <a:t>key</a:t>
-            </a:r>
-            <a:r>
-              <a:rPr lang="de-DE" dirty="0"/>
-              <a:t> </a:t>
-            </a:r>
-            <a:r>
-              <a:rPr lang="de-DE" dirty="0" err="1"/>
-              <a:t>and</a:t>
-            </a:r>
-            <a:r>
-              <a:rPr lang="de-DE" dirty="0"/>
-              <a:t> </a:t>
-            </a:r>
-            <a:r>
-              <a:rPr lang="de-DE" dirty="0" err="1"/>
-              <a:t>access</a:t>
-            </a:r>
-            <a:r>
-              <a:rPr lang="de-DE" dirty="0"/>
-              <a:t> </a:t>
-            </a:r>
-            <a:r>
-              <a:rPr lang="de-DE" dirty="0" err="1"/>
-              <a:t>token</a:t>
-            </a:r>
-            <a:r>
-              <a:rPr lang="de-DE" dirty="0"/>
-              <a:t>“ </a:t>
-            </a:r>
-            <a:r>
-              <a:rPr lang="de-DE" dirty="0" err="1"/>
-              <a:t>and</a:t>
-            </a:r>
-            <a:r>
-              <a:rPr lang="de-DE" dirty="0"/>
-              <a:t> </a:t>
-            </a:r>
-            <a:r>
-              <a:rPr lang="de-DE" dirty="0" err="1"/>
-              <a:t>get</a:t>
-            </a:r>
-            <a:r>
-              <a:rPr lang="de-DE" dirty="0"/>
-              <a:t> </a:t>
-            </a:r>
-            <a:r>
-              <a:rPr lang="de-DE" dirty="0" err="1"/>
-              <a:t>your</a:t>
-            </a:r>
-            <a:r>
-              <a:rPr lang="de-DE" dirty="0"/>
-              <a:t> API </a:t>
-            </a:r>
-            <a:r>
-              <a:rPr lang="de-DE" dirty="0" err="1"/>
-              <a:t>access</a:t>
-            </a:r>
-            <a:r>
-              <a:rPr lang="de-DE" dirty="0"/>
-              <a:t>: </a:t>
-            </a:r>
-            <a:r>
-              <a:rPr lang="en-GB" dirty="0"/>
-              <a:t>Consumer Key (API Key), Consumer Secret (API Secret), Access Token, Access Token Secret</a:t>
-            </a:r>
-            <a:r>
-              <a:rPr lang="de-DE" dirty="0"/>
-              <a:t>		</a:t>
-            </a:r>
-          </a:p>
-          <a:p>
-            <a:pPr lvl="1"/>
-            <a:r>
-              <a:rPr lang="de-DE" dirty="0" err="1"/>
-              <a:t>Use</a:t>
-            </a:r>
-            <a:r>
-              <a:rPr lang="de-DE" dirty="0"/>
-              <a:t> </a:t>
-            </a:r>
-            <a:r>
-              <a:rPr lang="de-DE" dirty="0" err="1"/>
-              <a:t>the</a:t>
-            </a:r>
-            <a:r>
-              <a:rPr lang="de-DE" dirty="0"/>
-              <a:t> </a:t>
-            </a:r>
-            <a:r>
-              <a:rPr lang="de-DE" dirty="0" err="1"/>
-              <a:t>keys</a:t>
-            </a:r>
-            <a:r>
-              <a:rPr lang="de-DE" dirty="0"/>
-              <a:t> </a:t>
-            </a:r>
-            <a:r>
-              <a:rPr lang="de-DE" dirty="0" err="1"/>
-              <a:t>as</a:t>
-            </a:r>
-            <a:r>
-              <a:rPr lang="de-DE" dirty="0"/>
-              <a:t> </a:t>
-            </a:r>
-            <a:r>
-              <a:rPr lang="de-DE" dirty="0" err="1"/>
-              <a:t>arguments</a:t>
-            </a:r>
-            <a:r>
-              <a:rPr lang="de-DE" dirty="0"/>
-              <a:t>: </a:t>
-            </a:r>
-          </a:p>
-          <a:p>
-            <a:pPr marL="457200" lvl="1" indent="0">
-              <a:buNone/>
-            </a:pPr>
-            <a:r>
-              <a:rPr lang="de-DE" dirty="0" err="1"/>
-              <a:t>rtweet</a:t>
-            </a:r>
-            <a:r>
-              <a:rPr lang="de-DE" dirty="0"/>
-              <a:t>::</a:t>
-            </a:r>
-            <a:r>
-              <a:rPr lang="de-DE" dirty="0" err="1"/>
-              <a:t>create_token</a:t>
-            </a:r>
-            <a:r>
-              <a:rPr lang="de-DE" dirty="0"/>
-              <a:t>(</a:t>
-            </a:r>
-            <a:r>
-              <a:rPr lang="de-DE" dirty="0" err="1"/>
-              <a:t>consumer_key</a:t>
-            </a:r>
-            <a:r>
-              <a:rPr lang="de-DE" dirty="0"/>
-              <a:t>, </a:t>
-            </a:r>
-            <a:r>
-              <a:rPr lang="de-DE" dirty="0" err="1"/>
-              <a:t>consumer_secret</a:t>
-            </a:r>
-            <a:r>
-              <a:rPr lang="de-DE" dirty="0"/>
-              <a:t>, </a:t>
-            </a:r>
-            <a:r>
-              <a:rPr lang="de-DE" dirty="0" err="1"/>
-              <a:t>access_token</a:t>
-            </a:r>
-            <a:r>
-              <a:rPr lang="de-DE" dirty="0"/>
-              <a:t>, </a:t>
-            </a:r>
-            <a:r>
-              <a:rPr lang="de-DE" dirty="0" err="1"/>
-              <a:t>access_secret</a:t>
-            </a:r>
-            <a:r>
-              <a:rPr lang="de-DE" dirty="0"/>
-              <a:t>)</a:t>
-            </a:r>
-          </a:p>
-        </p:txBody>
-      </p:sp>
-      <p:sp>
-        <p:nvSpPr>
           <p:cNvPr id="4" name="Foliennummernplatzhalter 3"/>
           <p:cNvSpPr>
             <a:spLocks noGrp="1"/>
@@ -5266,10 +5328,291 @@
           </a:p>
         </p:txBody>
       </p:sp>
+      <p:sp>
+        <p:nvSpPr>
+          <p:cNvPr id="12" name="Titel 1">
+            <a:extLst>
+              <a:ext uri="{FF2B5EF4-FFF2-40B4-BE49-F238E27FC236}">
+                <a16:creationId xmlns:a16="http://schemas.microsoft.com/office/drawing/2014/main" id="{478EA67A-3C39-4D0A-996A-C363F30A14B2}"/>
+              </a:ext>
+            </a:extLst>
+          </p:cNvPr>
+          <p:cNvSpPr>
+            <a:spLocks noGrp="1"/>
+          </p:cNvSpPr>
+          <p:nvPr>
+            <p:ph type="title"/>
+          </p:nvPr>
+        </p:nvSpPr>
+        <p:spPr>
+          <a:xfrm>
+            <a:off x="1066800" y="561524"/>
+            <a:ext cx="10287000" cy="1129164"/>
+          </a:xfrm>
+        </p:spPr>
+        <p:txBody>
+          <a:bodyPr/>
+          <a:lstStyle/>
+          <a:p>
+            <a:r>
+              <a:rPr lang="en-US"/>
+              <a:t>Scraping  </a:t>
+            </a:r>
+            <a:r>
+              <a:rPr lang="en-US" b="1"/>
+              <a:t>Twitter Data</a:t>
+            </a:r>
+          </a:p>
+        </p:txBody>
+      </p:sp>
+      <p:sp>
+        <p:nvSpPr>
+          <p:cNvPr id="10" name="Content Placeholder 2">
+            <a:extLst>
+              <a:ext uri="{FF2B5EF4-FFF2-40B4-BE49-F238E27FC236}">
+                <a16:creationId xmlns:a16="http://schemas.microsoft.com/office/drawing/2014/main" id="{2FD501B4-6682-4295-8C87-FE2780128C80}"/>
+              </a:ext>
+            </a:extLst>
+          </p:cNvPr>
+          <p:cNvSpPr>
+            <a:spLocks noGrp="1"/>
+          </p:cNvSpPr>
+          <p:nvPr>
+            <p:ph idx="1"/>
+          </p:nvPr>
+        </p:nvSpPr>
+        <p:spPr>
+          <a:xfrm>
+            <a:off x="1066798" y="1990725"/>
+            <a:ext cx="10525127" cy="4730750"/>
+          </a:xfrm>
+        </p:spPr>
+        <p:txBody>
+          <a:bodyPr>
+            <a:normAutofit/>
+          </a:bodyPr>
+          <a:lstStyle/>
+          <a:p>
+            <a:r>
+              <a:rPr lang="de-DE" b="1"/>
+              <a:t>Guide</a:t>
+            </a:r>
+          </a:p>
+          <a:p>
+            <a:pPr marL="914400" lvl="1" indent="-457200">
+              <a:buFont typeface="+mj-lt"/>
+              <a:buAutoNum type="arabicPeriod"/>
+            </a:pPr>
+            <a:r>
+              <a:rPr lang="en-US"/>
+              <a:t>Install and load package </a:t>
+            </a:r>
+            <a:r>
+              <a:rPr lang="en-US">
+                <a:latin typeface="Consolas" panose="020B0609020204030204" pitchFamily="49" charset="0"/>
+              </a:rPr>
+              <a:t>rtweet</a:t>
+            </a:r>
+          </a:p>
+          <a:p>
+            <a:pPr marL="914400" lvl="1" indent="-457200">
+              <a:buFont typeface="+mj-lt"/>
+              <a:buAutoNum type="arabicPeriod"/>
+            </a:pPr>
+            <a:r>
+              <a:rPr lang="en-US"/>
+              <a:t>Set up </a:t>
+            </a:r>
+            <a:r>
+              <a:rPr lang="en-US" b="1"/>
+              <a:t>Twitter API</a:t>
+            </a:r>
+          </a:p>
+          <a:p>
+            <a:pPr marL="1371600" lvl="2" indent="-457200">
+              <a:buFont typeface="+mj-lt"/>
+              <a:buAutoNum type="arabicPeriod"/>
+            </a:pPr>
+            <a:r>
+              <a:rPr lang="en-US"/>
+              <a:t>Create Twitter account: </a:t>
+            </a:r>
+            <a:r>
+              <a:rPr lang="en-GB">
+                <a:hlinkClick r:id="rId3"/>
+              </a:rPr>
+              <a:t>http://twitter.com/signup</a:t>
+            </a:r>
+            <a:endParaRPr lang="en-GB"/>
+          </a:p>
+          <a:p>
+            <a:pPr marL="1371600" lvl="2" indent="-457200">
+              <a:buFont typeface="+mj-lt"/>
+              <a:buAutoNum type="arabicPeriod"/>
+            </a:pPr>
+            <a:r>
+              <a:rPr lang="de-DE"/>
+              <a:t>Apply for a developer account by filling out a short application form: </a:t>
+            </a:r>
+            <a:br>
+              <a:rPr lang="de-DE"/>
+            </a:br>
+            <a:r>
+              <a:rPr lang="en-GB" u="sng">
+                <a:hlinkClick r:id="rId4"/>
+              </a:rPr>
+              <a:t>https://developer.twitter.com/en/apply-for-access.html</a:t>
+            </a:r>
+            <a:endParaRPr lang="en-GB" u="sng"/>
+          </a:p>
+          <a:p>
+            <a:pPr marL="1371600" lvl="2" indent="-457200">
+              <a:buFont typeface="+mj-lt"/>
+              <a:buAutoNum type="arabicPeriod"/>
+            </a:pPr>
+            <a:r>
+              <a:rPr lang="de-DE"/>
+              <a:t>Click on „key and access token“ and get your API access: </a:t>
+            </a:r>
+            <a:br>
+              <a:rPr lang="de-DE"/>
+            </a:br>
+            <a:r>
+              <a:rPr lang="en-GB"/>
+              <a:t>consumer key (API key), consumer secret (API secret), </a:t>
+            </a:r>
+            <a:br>
+              <a:rPr lang="en-GB"/>
+            </a:br>
+            <a:r>
+              <a:rPr lang="en-GB"/>
+              <a:t>access token, access token secret</a:t>
+            </a:r>
+            <a:br>
+              <a:rPr lang="en-GB"/>
+            </a:br>
+            <a:br>
+              <a:rPr lang="en-GB"/>
+            </a:br>
+            <a:endParaRPr lang="en-GB"/>
+          </a:p>
+          <a:p>
+            <a:pPr marL="914400" lvl="1" indent="-457200">
+              <a:buFont typeface="+mj-lt"/>
+              <a:buAutoNum type="arabicPeriod"/>
+            </a:pPr>
+            <a:r>
+              <a:rPr lang="de-DE"/>
+              <a:t>Use the keys as arguments: </a:t>
+            </a:r>
+            <a:r>
+              <a:rPr lang="de-DE">
+                <a:solidFill>
+                  <a:srgbClr val="33CCFF"/>
+                </a:solidFill>
+                <a:latin typeface="Consolas" panose="020B0609020204030204" pitchFamily="49" charset="0"/>
+              </a:rPr>
+              <a:t>rtweet::create_token(consumer_key, consumer_secret, access_token, access_secret)</a:t>
+            </a:r>
+          </a:p>
+          <a:p>
+            <a:pPr marL="914400" lvl="1" indent="-457200">
+              <a:buFont typeface="+mj-lt"/>
+              <a:buAutoNum type="arabicPeriod"/>
+            </a:pPr>
+            <a:endParaRPr lang="en-US"/>
+          </a:p>
+          <a:p>
+            <a:pPr marL="1371600" lvl="2" indent="-457200">
+              <a:buFont typeface="+mj-lt"/>
+              <a:buAutoNum type="arabicPeriod"/>
+            </a:pPr>
+            <a:endParaRPr lang="en-US"/>
+          </a:p>
+        </p:txBody>
+      </p:sp>
+      <p:sp>
+        <p:nvSpPr>
+          <p:cNvPr id="5" name="TextBox 4">
+            <a:extLst>
+              <a:ext uri="{FF2B5EF4-FFF2-40B4-BE49-F238E27FC236}">
+                <a16:creationId xmlns:a16="http://schemas.microsoft.com/office/drawing/2014/main" id="{369FACA9-705F-4FD0-989C-6E160A0F9509}"/>
+              </a:ext>
+            </a:extLst>
+          </p:cNvPr>
+          <p:cNvSpPr txBox="1"/>
+          <p:nvPr/>
+        </p:nvSpPr>
+        <p:spPr>
+          <a:xfrm>
+            <a:off x="8428140" y="4840731"/>
+            <a:ext cx="2925660" cy="461665"/>
+          </a:xfrm>
+          <a:prstGeom prst="rect">
+            <a:avLst/>
+          </a:prstGeom>
+          <a:noFill/>
+        </p:spPr>
+        <p:txBody>
+          <a:bodyPr wrap="square">
+            <a:spAutoFit/>
+          </a:bodyPr>
+          <a:lstStyle/>
+          <a:p>
+            <a:r>
+              <a:rPr lang="de-DE" sz="2400" i="1"/>
+              <a:t>k</a:t>
+            </a:r>
+            <a:r>
+              <a:rPr lang="en-US" sz="2400" i="1"/>
+              <a:t>eep somewhere safe</a:t>
+            </a:r>
+          </a:p>
+        </p:txBody>
+      </p:sp>
+      <p:pic>
+        <p:nvPicPr>
+          <p:cNvPr id="6" name="Graphic 5" descr="Back with solid fill">
+            <a:extLst>
+              <a:ext uri="{FF2B5EF4-FFF2-40B4-BE49-F238E27FC236}">
+                <a16:creationId xmlns:a16="http://schemas.microsoft.com/office/drawing/2014/main" id="{A5A1E172-F4D0-4FD6-BB96-26B5FA54E26A}"/>
+              </a:ext>
+            </a:extLst>
+          </p:cNvPr>
+          <p:cNvPicPr>
+            <a:picLocks noChangeAspect="1"/>
+          </p:cNvPicPr>
+          <p:nvPr/>
+        </p:nvPicPr>
+        <p:blipFill>
+          <a:blip r:embed="rId5">
+            <a:extLst>
+              <a:ext uri="{28A0092B-C50C-407E-A947-70E740481C1C}">
+                <a14:useLocalDpi xmlns:a14="http://schemas.microsoft.com/office/drawing/2010/main" val="0"/>
+              </a:ext>
+              <a:ext uri="{96DAC541-7B7A-43D3-8B79-37D633B846F1}">
+                <asvg:svgBlip xmlns:asvg="http://schemas.microsoft.com/office/drawing/2016/SVG/main" r:embed="rId6"/>
+              </a:ext>
+            </a:extLst>
+          </a:blip>
+          <a:stretch>
+            <a:fillRect/>
+          </a:stretch>
+        </p:blipFill>
+        <p:spPr>
+          <a:xfrm rot="5400000" flipH="1">
+            <a:off x="8858250" y="3988768"/>
+            <a:ext cx="757629" cy="946296"/>
+          </a:xfrm>
+          <a:prstGeom prst="rect">
+            <a:avLst/>
+          </a:prstGeom>
+        </p:spPr>
+      </p:pic>
     </p:spTree>
     <p:extLst>
       <p:ext uri="{BB962C8B-B14F-4D97-AF65-F5344CB8AC3E}">
-        <p14:creationId xmlns:p14="http://schemas.microsoft.com/office/powerpoint/2010/main" val="339894277"/>
+        <p14:creationId xmlns:p14="http://schemas.microsoft.com/office/powerpoint/2010/main" val="718853781"/>
       </p:ext>
     </p:extLst>
   </p:cSld>
@@ -5298,115 +5641,6 @@
       </p:grpSpPr>
       <p:sp>
         <p:nvSpPr>
-          <p:cNvPr id="2" name="Titel 1"/>
-          <p:cNvSpPr>
-            <a:spLocks noGrp="1"/>
-          </p:cNvSpPr>
-          <p:nvPr>
-            <p:ph type="title"/>
-          </p:nvPr>
-        </p:nvSpPr>
-        <p:spPr/>
-        <p:txBody>
-          <a:bodyPr/>
-          <a:lstStyle/>
-          <a:p>
-            <a:r>
-              <a:rPr lang="en-US" dirty="0"/>
-              <a:t>Scraping Twitter Data - Limitations </a:t>
-            </a:r>
-          </a:p>
-        </p:txBody>
-      </p:sp>
-      <p:sp>
-        <p:nvSpPr>
-          <p:cNvPr id="3" name="Inhaltsplatzhalter 2"/>
-          <p:cNvSpPr>
-            <a:spLocks noGrp="1"/>
-          </p:cNvSpPr>
-          <p:nvPr>
-            <p:ph idx="1"/>
-          </p:nvPr>
-        </p:nvSpPr>
-        <p:spPr/>
-        <p:txBody>
-          <a:bodyPr/>
-          <a:lstStyle/>
-          <a:p>
-            <a:r>
-              <a:rPr lang="en-GB" dirty="0"/>
-              <a:t>With the standard (free) search API, you can't get tweets for more than 6-9 days period (for more information see </a:t>
-            </a:r>
-            <a:r>
-              <a:rPr lang="en-GB" dirty="0">
-                <a:hlinkClick r:id="rId2"/>
-              </a:rPr>
-              <a:t>https://developer.twitter.com/en/docs/tweets/search/api-reference/get-search-tweets.html</a:t>
-            </a:r>
-            <a:r>
-              <a:rPr lang="en-GB" dirty="0"/>
-              <a:t>)</a:t>
-            </a:r>
-          </a:p>
-          <a:p>
-            <a:r>
-              <a:rPr lang="en-GB" dirty="0"/>
-              <a:t>Scraping only up to 18.000 tweets possible</a:t>
-            </a:r>
-          </a:p>
-          <a:p>
-            <a:r>
-              <a:rPr lang="en-GB" dirty="0"/>
-              <a:t>Package documentation: </a:t>
-            </a:r>
-          </a:p>
-          <a:p>
-            <a:pPr marL="0" indent="0">
-              <a:buNone/>
-            </a:pPr>
-            <a:r>
-              <a:rPr lang="en-GB" dirty="0"/>
-              <a:t>    </a:t>
-            </a:r>
-            <a:r>
-              <a:rPr lang="en-GB" dirty="0">
-                <a:hlinkClick r:id="rId3"/>
-              </a:rPr>
-              <a:t>https://cran.r-project.org/web/packages/rtweet/rtweet.pdf</a:t>
-            </a:r>
-            <a:endParaRPr lang="en-GB" dirty="0"/>
-          </a:p>
-          <a:p>
-            <a:r>
-              <a:rPr lang="en-GB" dirty="0"/>
-              <a:t>Useful tutorial:</a:t>
-            </a:r>
-          </a:p>
-          <a:p>
-            <a:pPr marL="0" indent="0">
-              <a:buNone/>
-            </a:pPr>
-            <a:r>
-              <a:rPr lang="en-GB" dirty="0"/>
-              <a:t>    https://rtweet-workshop.mikewk.com/#1 </a:t>
-            </a:r>
-          </a:p>
-          <a:p>
-            <a:pPr marL="457200" lvl="1" indent="0">
-              <a:buNone/>
-            </a:pPr>
-            <a:endParaRPr lang="en-GB" dirty="0"/>
-          </a:p>
-          <a:p>
-            <a:pPr marL="457200" lvl="1" indent="0">
-              <a:buNone/>
-            </a:pPr>
-            <a:endParaRPr lang="en-US" dirty="0"/>
-          </a:p>
-        </p:txBody>
-      </p:sp>
-      <p:sp>
-        <p:nvSpPr>
           <p:cNvPr id="4" name="Foliennummernplatzhalter 3"/>
           <p:cNvSpPr>
             <a:spLocks noGrp="1"/>
@@ -5428,10 +5662,241 @@
           </a:p>
         </p:txBody>
       </p:sp>
+      <p:sp>
+        <p:nvSpPr>
+          <p:cNvPr id="12" name="Titel 1">
+            <a:extLst>
+              <a:ext uri="{FF2B5EF4-FFF2-40B4-BE49-F238E27FC236}">
+                <a16:creationId xmlns:a16="http://schemas.microsoft.com/office/drawing/2014/main" id="{478EA67A-3C39-4D0A-996A-C363F30A14B2}"/>
+              </a:ext>
+            </a:extLst>
+          </p:cNvPr>
+          <p:cNvSpPr>
+            <a:spLocks noGrp="1"/>
+          </p:cNvSpPr>
+          <p:nvPr>
+            <p:ph type="title"/>
+          </p:nvPr>
+        </p:nvSpPr>
+        <p:spPr>
+          <a:xfrm>
+            <a:off x="1066800" y="561524"/>
+            <a:ext cx="10287000" cy="1129164"/>
+          </a:xfrm>
+        </p:spPr>
+        <p:txBody>
+          <a:bodyPr/>
+          <a:lstStyle/>
+          <a:p>
+            <a:r>
+              <a:rPr lang="en-US"/>
+              <a:t>Scraping  </a:t>
+            </a:r>
+            <a:r>
+              <a:rPr lang="en-US" b="1"/>
+              <a:t>Twitter Data – Limitations </a:t>
+            </a:r>
+          </a:p>
+        </p:txBody>
+      </p:sp>
+      <p:sp>
+        <p:nvSpPr>
+          <p:cNvPr id="10" name="Content Placeholder 2">
+            <a:extLst>
+              <a:ext uri="{FF2B5EF4-FFF2-40B4-BE49-F238E27FC236}">
+                <a16:creationId xmlns:a16="http://schemas.microsoft.com/office/drawing/2014/main" id="{2FD501B4-6682-4295-8C87-FE2780128C80}"/>
+              </a:ext>
+            </a:extLst>
+          </p:cNvPr>
+          <p:cNvSpPr>
+            <a:spLocks noGrp="1"/>
+          </p:cNvSpPr>
+          <p:nvPr>
+            <p:ph idx="1"/>
+          </p:nvPr>
+        </p:nvSpPr>
+        <p:spPr>
+          <a:xfrm>
+            <a:off x="1066798" y="1990725"/>
+            <a:ext cx="10525127" cy="4730750"/>
+          </a:xfrm>
+        </p:spPr>
+        <p:txBody>
+          <a:bodyPr>
+            <a:normAutofit/>
+          </a:bodyPr>
+          <a:lstStyle/>
+          <a:p>
+            <a:r>
+              <a:rPr lang="en-GB"/>
+              <a:t>Using the </a:t>
+            </a:r>
+            <a:r>
+              <a:rPr lang="en-GB" b="1"/>
+              <a:t>standard</a:t>
+            </a:r>
+            <a:r>
+              <a:rPr lang="en-GB"/>
+              <a:t> (free) search API</a:t>
+            </a:r>
+          </a:p>
+          <a:p>
+            <a:pPr lvl="1"/>
+            <a:r>
+              <a:rPr lang="en-GB"/>
+              <a:t>Tweets only for a 6-9 days period (for more information see </a:t>
+            </a:r>
+            <a:r>
+              <a:rPr lang="en-GB">
+                <a:hlinkClick r:id="rId3"/>
+              </a:rPr>
+              <a:t>https://developer.twitter.com/en/docs/tweets/search/api-reference/get-search-tweets.html</a:t>
+            </a:r>
+            <a:r>
+              <a:rPr lang="en-GB"/>
+              <a:t>)</a:t>
+            </a:r>
+          </a:p>
+          <a:p>
+            <a:pPr lvl="1"/>
+            <a:r>
+              <a:rPr lang="en-GB"/>
+              <a:t>Scraping up to 18,000 tweets possible</a:t>
+            </a:r>
+          </a:p>
+          <a:p>
+            <a:pPr lvl="1"/>
+            <a:r>
+              <a:rPr lang="en-GB"/>
+              <a:t>Package documentation: </a:t>
+            </a:r>
+            <a:br>
+              <a:rPr lang="en-GB"/>
+            </a:br>
+            <a:r>
+              <a:rPr lang="en-GB">
+                <a:hlinkClick r:id="rId4"/>
+              </a:rPr>
+              <a:t>https://cran.r-project.org/web/packages/rtweet/rtweet.pdf</a:t>
+            </a:r>
+            <a:br>
+              <a:rPr lang="en-US"/>
+            </a:br>
+            <a:br>
+              <a:rPr lang="en-US"/>
+            </a:br>
+            <a:br>
+              <a:rPr lang="en-US"/>
+            </a:br>
+            <a:endParaRPr lang="en-US"/>
+          </a:p>
+          <a:p>
+            <a:r>
+              <a:rPr lang="en-US"/>
+              <a:t>Worth considering: scraping in Python using </a:t>
+            </a:r>
+            <a:r>
+              <a:rPr lang="en-US">
+                <a:latin typeface="Consolas" panose="020B0609020204030204" pitchFamily="49" charset="0"/>
+              </a:rPr>
+              <a:t>beautifulsoup</a:t>
+            </a:r>
+            <a:endParaRPr lang="en-GB">
+              <a:latin typeface="Consolas" panose="020B0609020204030204" pitchFamily="49" charset="0"/>
+            </a:endParaRPr>
+          </a:p>
+        </p:txBody>
+      </p:sp>
+      <p:pic>
+        <p:nvPicPr>
+          <p:cNvPr id="9" name="Graphic 8" descr="Game controller with solid fill">
+            <a:extLst>
+              <a:ext uri="{FF2B5EF4-FFF2-40B4-BE49-F238E27FC236}">
+                <a16:creationId xmlns:a16="http://schemas.microsoft.com/office/drawing/2014/main" id="{F957721F-72A7-4CBF-B032-C40D73B6738C}"/>
+              </a:ext>
+            </a:extLst>
+          </p:cNvPr>
+          <p:cNvPicPr>
+            <a:picLocks noChangeAspect="1"/>
+          </p:cNvPicPr>
+          <p:nvPr/>
+        </p:nvPicPr>
+        <p:blipFill>
+          <a:blip r:embed="rId5">
+            <a:extLst>
+              <a:ext uri="{28A0092B-C50C-407E-A947-70E740481C1C}">
+                <a14:useLocalDpi xmlns:a14="http://schemas.microsoft.com/office/drawing/2010/main" val="0"/>
+              </a:ext>
+              <a:ext uri="{96DAC541-7B7A-43D3-8B79-37D633B846F1}">
+                <asvg:svgBlip xmlns:asvg="http://schemas.microsoft.com/office/drawing/2016/SVG/main" r:embed="rId6"/>
+              </a:ext>
+            </a:extLst>
+          </a:blip>
+          <a:stretch>
+            <a:fillRect/>
+          </a:stretch>
+        </p:blipFill>
+        <p:spPr>
+          <a:xfrm>
+            <a:off x="1752598" y="4781594"/>
+            <a:ext cx="714378" cy="714782"/>
+          </a:xfrm>
+          <a:prstGeom prst="rect">
+            <a:avLst/>
+          </a:prstGeom>
+        </p:spPr>
+      </p:pic>
+      <p:sp>
+        <p:nvSpPr>
+          <p:cNvPr id="11" name="TextBox 10">
+            <a:extLst>
+              <a:ext uri="{FF2B5EF4-FFF2-40B4-BE49-F238E27FC236}">
+                <a16:creationId xmlns:a16="http://schemas.microsoft.com/office/drawing/2014/main" id="{F8E3AAFE-0E86-4372-B4CF-703753BC540B}"/>
+              </a:ext>
+            </a:extLst>
+          </p:cNvPr>
+          <p:cNvSpPr txBox="1"/>
+          <p:nvPr/>
+        </p:nvSpPr>
+        <p:spPr>
+          <a:xfrm>
+            <a:off x="2466976" y="4908152"/>
+            <a:ext cx="7581900" cy="461665"/>
+          </a:xfrm>
+          <a:prstGeom prst="rect">
+            <a:avLst/>
+          </a:prstGeom>
+          <a:noFill/>
+        </p:spPr>
+        <p:txBody>
+          <a:bodyPr wrap="square">
+            <a:spAutoFit/>
+          </a:bodyPr>
+          <a:lstStyle/>
+          <a:p>
+            <a:pPr algn="r"/>
+            <a:r>
+              <a:rPr lang="de-DE" sz="2400" i="1"/>
+              <a:t>useful tutorial on </a:t>
+            </a:r>
+            <a:r>
+              <a:rPr lang="de-DE" sz="2400" i="1">
+                <a:hlinkClick r:id="rId7"/>
+              </a:rPr>
+              <a:t>https://rtweet-workshop.mikewk.com/</a:t>
+            </a:r>
+            <a:r>
+              <a:rPr lang="de-DE" sz="2400" i="1"/>
+              <a:t>  </a:t>
+            </a:r>
+            <a:endParaRPr lang="en-US" sz="2400" i="1"/>
+          </a:p>
+        </p:txBody>
+      </p:sp>
     </p:spTree>
     <p:extLst>
       <p:ext uri="{BB962C8B-B14F-4D97-AF65-F5344CB8AC3E}">
-        <p14:creationId xmlns:p14="http://schemas.microsoft.com/office/powerpoint/2010/main" val="1971017550"/>
+        <p14:creationId xmlns:p14="http://schemas.microsoft.com/office/powerpoint/2010/main" val="3276412416"/>
       </p:ext>
     </p:extLst>
   </p:cSld>
@@ -5460,28 +5925,6 @@
       </p:grpSpPr>
       <p:sp>
         <p:nvSpPr>
-          <p:cNvPr id="2" name="Titel 1"/>
-          <p:cNvSpPr>
-            <a:spLocks noGrp="1"/>
-          </p:cNvSpPr>
-          <p:nvPr>
-            <p:ph type="title"/>
-          </p:nvPr>
-        </p:nvSpPr>
-        <p:spPr/>
-        <p:txBody>
-          <a:bodyPr/>
-          <a:lstStyle/>
-          <a:p>
-            <a:r>
-              <a:rPr lang="en-US" dirty="0"/>
-              <a:t>Scraping Twitter Data - Objective </a:t>
-            </a:r>
-          </a:p>
-        </p:txBody>
-      </p:sp>
-      <p:sp>
-        <p:nvSpPr>
           <p:cNvPr id="4" name="Foliennummernplatzhalter 3"/>
           <p:cNvSpPr>
             <a:spLocks noGrp="1"/>
@@ -5505,51 +5948,141 @@
       </p:sp>
       <p:sp>
         <p:nvSpPr>
-          <p:cNvPr id="7" name="Textfeld 6"/>
-          <p:cNvSpPr txBox="1"/>
-          <p:nvPr/>
+          <p:cNvPr id="12" name="Titel 1">
+            <a:extLst>
+              <a:ext uri="{FF2B5EF4-FFF2-40B4-BE49-F238E27FC236}">
+                <a16:creationId xmlns:a16="http://schemas.microsoft.com/office/drawing/2014/main" id="{478EA67A-3C39-4D0A-996A-C363F30A14B2}"/>
+              </a:ext>
+            </a:extLst>
+          </p:cNvPr>
+          <p:cNvSpPr>
+            <a:spLocks noGrp="1"/>
+          </p:cNvSpPr>
+          <p:nvPr>
+            <p:ph type="title"/>
+          </p:nvPr>
         </p:nvSpPr>
         <p:spPr>
           <a:xfrm>
-            <a:off x="415834" y="6356350"/>
-            <a:ext cx="6017623" cy="276999"/>
+            <a:off x="1066800" y="561524"/>
+            <a:ext cx="10287000" cy="1129164"/>
           </a:xfrm>
-          <a:prstGeom prst="rect">
-            <a:avLst/>
-          </a:prstGeom>
-          <a:noFill/>
         </p:spPr>
         <p:txBody>
-          <a:bodyPr wrap="square" rtlCol="0">
-            <a:spAutoFit/>
-          </a:bodyPr>
-          <a:lstStyle/>
-          <a:p>
-            <a:r>
-              <a:rPr lang="en-US" sz="1200" dirty="0"/>
-              <a:t>Screenshot from: https://twitter.com/JKasek/status/1377285533274083343</a:t>
+          <a:bodyPr/>
+          <a:lstStyle/>
+          <a:p>
+            <a:r>
+              <a:rPr lang="en-US"/>
+              <a:t>Scraping  </a:t>
+            </a:r>
+            <a:r>
+              <a:rPr lang="en-US" b="1"/>
+              <a:t>Example Twitter</a:t>
+            </a:r>
+          </a:p>
+        </p:txBody>
+      </p:sp>
+      <p:sp>
+        <p:nvSpPr>
+          <p:cNvPr id="10" name="Content Placeholder 2">
+            <a:extLst>
+              <a:ext uri="{FF2B5EF4-FFF2-40B4-BE49-F238E27FC236}">
+                <a16:creationId xmlns:a16="http://schemas.microsoft.com/office/drawing/2014/main" id="{2FD501B4-6682-4295-8C87-FE2780128C80}"/>
+              </a:ext>
+            </a:extLst>
+          </p:cNvPr>
+          <p:cNvSpPr>
+            <a:spLocks noGrp="1"/>
+          </p:cNvSpPr>
+          <p:nvPr>
+            <p:ph idx="1"/>
+          </p:nvPr>
+        </p:nvSpPr>
+        <p:spPr>
+          <a:xfrm>
+            <a:off x="1066798" y="1990725"/>
+            <a:ext cx="10287001" cy="4186238"/>
+          </a:xfrm>
+        </p:spPr>
+        <p:txBody>
+          <a:bodyPr/>
+          <a:lstStyle/>
+          <a:p>
+            <a:r>
+              <a:rPr lang="de-DE" b="1"/>
+              <a:t>Goal: </a:t>
+            </a:r>
+            <a:r>
+              <a:rPr lang="en-US"/>
+              <a:t>scrape tweets and associated information</a:t>
             </a:r>
           </a:p>
         </p:txBody>
       </p:sp>
       <p:pic>
         <p:nvPicPr>
-          <p:cNvPr id="8" name="Grafik 7"/>
+          <p:cNvPr id="18" name="Graphic 17" descr="Back with solid fill">
+            <a:extLst>
+              <a:ext uri="{FF2B5EF4-FFF2-40B4-BE49-F238E27FC236}">
+                <a16:creationId xmlns:a16="http://schemas.microsoft.com/office/drawing/2014/main" id="{B139673D-680A-4DF8-9C13-938406CD5ADD}"/>
+              </a:ext>
+            </a:extLst>
+          </p:cNvPr>
           <p:cNvPicPr>
             <a:picLocks noChangeAspect="1"/>
           </p:cNvPicPr>
           <p:nvPr/>
         </p:nvPicPr>
         <p:blipFill>
-          <a:blip r:embed="rId2"/>
+          <a:blip r:embed="rId3">
+            <a:extLst>
+              <a:ext uri="{28A0092B-C50C-407E-A947-70E740481C1C}">
+                <a14:useLocalDpi xmlns:a14="http://schemas.microsoft.com/office/drawing/2010/main" val="0"/>
+              </a:ext>
+              <a:ext uri="{96DAC541-7B7A-43D3-8B79-37D633B846F1}">
+                <asvg:svgBlip xmlns:asvg="http://schemas.microsoft.com/office/drawing/2016/SVG/main" r:embed="rId4"/>
+              </a:ext>
+            </a:extLst>
+          </a:blip>
+          <a:stretch>
+            <a:fillRect/>
+          </a:stretch>
+        </p:blipFill>
+        <p:spPr>
+          <a:xfrm rot="16200000" flipV="1">
+            <a:off x="6190333" y="3954348"/>
+            <a:ext cx="757629" cy="946296"/>
+          </a:xfrm>
+          <a:prstGeom prst="rect">
+            <a:avLst/>
+          </a:prstGeom>
+        </p:spPr>
+      </p:pic>
+      <p:pic>
+        <p:nvPicPr>
+          <p:cNvPr id="8" name="Grafik 7">
+            <a:extLst>
+              <a:ext uri="{FF2B5EF4-FFF2-40B4-BE49-F238E27FC236}">
+                <a16:creationId xmlns:a16="http://schemas.microsoft.com/office/drawing/2014/main" id="{06A3D75B-F9A4-4697-9726-3B0BB00644EA}"/>
+              </a:ext>
+            </a:extLst>
+          </p:cNvPr>
+          <p:cNvPicPr>
+            <a:picLocks noChangeAspect="1"/>
+          </p:cNvPicPr>
+          <p:nvPr/>
+        </p:nvPicPr>
+        <p:blipFill>
+          <a:blip r:embed="rId5"/>
           <a:stretch>
             <a:fillRect/>
           </a:stretch>
         </p:blipFill>
         <p:spPr>
           <a:xfrm>
-            <a:off x="415834" y="1473230"/>
-            <a:ext cx="4870269" cy="3432503"/>
+            <a:off x="1066798" y="2597677"/>
+            <a:ext cx="4124327" cy="2906773"/>
           </a:xfrm>
           <a:prstGeom prst="rect">
             <a:avLst/>
@@ -5568,22 +6101,28 @@
       </p:pic>
       <p:pic>
         <p:nvPicPr>
-          <p:cNvPr id="9" name="Grafik 8"/>
+          <p:cNvPr id="9" name="Grafik 8">
+            <a:extLst>
+              <a:ext uri="{FF2B5EF4-FFF2-40B4-BE49-F238E27FC236}">
+                <a16:creationId xmlns:a16="http://schemas.microsoft.com/office/drawing/2014/main" id="{FCAB2ED5-5ABA-49F6-8438-18213DD444D4}"/>
+              </a:ext>
+            </a:extLst>
+          </p:cNvPr>
           <p:cNvPicPr>
             <a:picLocks noChangeAspect="1"/>
           </p:cNvPicPr>
           <p:nvPr/>
         </p:nvPicPr>
         <p:blipFill>
-          <a:blip r:embed="rId3"/>
+          <a:blip r:embed="rId6"/>
           <a:stretch>
             <a:fillRect/>
           </a:stretch>
         </p:blipFill>
         <p:spPr>
           <a:xfrm>
-            <a:off x="415834" y="5500723"/>
-            <a:ext cx="11492062" cy="603986"/>
+            <a:off x="1066798" y="5755824"/>
+            <a:ext cx="10287001" cy="540652"/>
           </a:xfrm>
           <a:prstGeom prst="rect">
             <a:avLst/>
@@ -5602,71 +6141,19 @@
       </p:pic>
       <p:sp>
         <p:nvSpPr>
-          <p:cNvPr id="10" name="Nach oben gebogener Pfeil 9"/>
-          <p:cNvSpPr/>
-          <p:nvPr/>
-        </p:nvSpPr>
-        <p:spPr>
-          <a:xfrm rot="10800000" flipH="1">
-            <a:off x="5451566" y="4352099"/>
-            <a:ext cx="1288868" cy="896983"/>
-          </a:xfrm>
-          <a:prstGeom prst="bentUpArrow">
-            <a:avLst>
-              <a:gd name="adj1" fmla="val 10437"/>
-              <a:gd name="adj2" fmla="val 25000"/>
-              <a:gd name="adj3" fmla="val 29854"/>
-            </a:avLst>
-          </a:prstGeom>
-          <a:solidFill>
-            <a:schemeClr val="accent1">
-              <a:lumMod val="40000"/>
-              <a:lumOff val="60000"/>
-            </a:schemeClr>
-          </a:solidFill>
-          <a:ln>
-            <a:solidFill>
-              <a:schemeClr val="accent1">
-                <a:lumMod val="40000"/>
-                <a:lumOff val="60000"/>
-              </a:schemeClr>
-            </a:solidFill>
-          </a:ln>
-        </p:spPr>
-        <p:style>
-          <a:lnRef idx="2">
-            <a:schemeClr val="accent1">
-              <a:shade val="50000"/>
-            </a:schemeClr>
-          </a:lnRef>
-          <a:fillRef idx="1">
-            <a:schemeClr val="accent1"/>
-          </a:fillRef>
-          <a:effectRef idx="0">
-            <a:schemeClr val="accent1"/>
-          </a:effectRef>
-          <a:fontRef idx="minor">
-            <a:schemeClr val="lt1"/>
-          </a:fontRef>
-        </p:style>
-        <p:txBody>
-          <a:bodyPr rtlCol="0" anchor="ctr"/>
-          <a:lstStyle/>
-          <a:p>
-            <a:pPr algn="ctr"/>
-            <a:endParaRPr lang="en-US"/>
-          </a:p>
-        </p:txBody>
-      </p:sp>
-      <p:sp>
-        <p:nvSpPr>
-          <p:cNvPr id="11" name="Textfeld 10"/>
+          <p:cNvPr id="11" name="Textfeld 6">
+            <a:extLst>
+              <a:ext uri="{FF2B5EF4-FFF2-40B4-BE49-F238E27FC236}">
+                <a16:creationId xmlns:a16="http://schemas.microsoft.com/office/drawing/2014/main" id="{06AB390E-FDBD-4C01-B36B-A8A00A4D0F50}"/>
+              </a:ext>
+            </a:extLst>
+          </p:cNvPr>
           <p:cNvSpPr txBox="1"/>
           <p:nvPr/>
         </p:nvSpPr>
         <p:spPr>
           <a:xfrm>
-            <a:off x="6307182" y="6356349"/>
+            <a:off x="5336176" y="5227451"/>
             <a:ext cx="6017623" cy="276999"/>
           </a:xfrm>
           <a:prstGeom prst="rect">
@@ -5682,7 +6169,7 @@
           <a:p>
             <a:r>
               <a:rPr lang="en-US" sz="1200" dirty="0"/>
-              <a:t>*Details in: Twitter_Scraping_Example.html</a:t>
+              <a:t>Screenshot from: https://twitter.com/JKasek/status/1377285533274083343</a:t>
             </a:r>
           </a:p>
         </p:txBody>
@@ -5690,7 +6177,7 @@
     </p:spTree>
     <p:extLst>
       <p:ext uri="{BB962C8B-B14F-4D97-AF65-F5344CB8AC3E}">
-        <p14:creationId xmlns:p14="http://schemas.microsoft.com/office/powerpoint/2010/main" val="1788967898"/>
+        <p14:creationId xmlns:p14="http://schemas.microsoft.com/office/powerpoint/2010/main" val="2267477721"/>
       </p:ext>
     </p:extLst>
   </p:cSld>
@@ -5719,6 +6206,522 @@
       </p:grpSpPr>
       <p:sp>
         <p:nvSpPr>
+          <p:cNvPr id="4" name="Foliennummernplatzhalter 3"/>
+          <p:cNvSpPr>
+            <a:spLocks noGrp="1"/>
+          </p:cNvSpPr>
+          <p:nvPr>
+            <p:ph type="sldNum" sz="quarter" idx="12"/>
+          </p:nvPr>
+        </p:nvSpPr>
+        <p:spPr/>
+        <p:txBody>
+          <a:bodyPr/>
+          <a:lstStyle/>
+          <a:p>
+            <a:fld id="{C9E0B00B-E6DF-4183-A694-3DE28BEFB357}" type="slidenum">
+              <a:rPr lang="en-US" smtClean="0"/>
+              <a:t>13</a:t>
+            </a:fld>
+            <a:endParaRPr lang="en-US"/>
+          </a:p>
+        </p:txBody>
+      </p:sp>
+      <p:sp>
+        <p:nvSpPr>
+          <p:cNvPr id="12" name="Titel 1">
+            <a:extLst>
+              <a:ext uri="{FF2B5EF4-FFF2-40B4-BE49-F238E27FC236}">
+                <a16:creationId xmlns:a16="http://schemas.microsoft.com/office/drawing/2014/main" id="{478EA67A-3C39-4D0A-996A-C363F30A14B2}"/>
+              </a:ext>
+            </a:extLst>
+          </p:cNvPr>
+          <p:cNvSpPr>
+            <a:spLocks noGrp="1"/>
+          </p:cNvSpPr>
+          <p:nvPr>
+            <p:ph type="title"/>
+          </p:nvPr>
+        </p:nvSpPr>
+        <p:spPr>
+          <a:xfrm>
+            <a:off x="1066800" y="561524"/>
+            <a:ext cx="10287000" cy="1129164"/>
+          </a:xfrm>
+        </p:spPr>
+        <p:txBody>
+          <a:bodyPr/>
+          <a:lstStyle/>
+          <a:p>
+            <a:r>
+              <a:rPr lang="en-US"/>
+              <a:t>Scraping  </a:t>
+            </a:r>
+            <a:r>
+              <a:rPr lang="en-US" b="1"/>
+              <a:t>Twitter Demo</a:t>
+            </a:r>
+          </a:p>
+        </p:txBody>
+      </p:sp>
+      <p:sp>
+        <p:nvSpPr>
+          <p:cNvPr id="7" name="Rectangle 6">
+            <a:extLst>
+              <a:ext uri="{FF2B5EF4-FFF2-40B4-BE49-F238E27FC236}">
+                <a16:creationId xmlns:a16="http://schemas.microsoft.com/office/drawing/2014/main" id="{399D5C87-EDAB-4C4B-A55D-E6DBDD9D5ABA}"/>
+              </a:ext>
+            </a:extLst>
+          </p:cNvPr>
+          <p:cNvSpPr/>
+          <p:nvPr/>
+        </p:nvSpPr>
+        <p:spPr>
+          <a:xfrm>
+            <a:off x="3228976" y="1992993"/>
+            <a:ext cx="8153400" cy="2872013"/>
+          </a:xfrm>
+          <a:prstGeom prst="rect">
+            <a:avLst/>
+          </a:prstGeom>
+          <a:solidFill>
+            <a:schemeClr val="bg2"/>
+          </a:solidFill>
+          <a:ln w="19050">
+            <a:solidFill>
+              <a:schemeClr val="bg2"/>
+            </a:solidFill>
+          </a:ln>
+        </p:spPr>
+        <p:style>
+          <a:lnRef idx="2">
+            <a:schemeClr val="dk1"/>
+          </a:lnRef>
+          <a:fillRef idx="1">
+            <a:schemeClr val="lt1"/>
+          </a:fillRef>
+          <a:effectRef idx="0">
+            <a:schemeClr val="dk1"/>
+          </a:effectRef>
+          <a:fontRef idx="minor">
+            <a:schemeClr val="dk1"/>
+          </a:fontRef>
+        </p:style>
+        <p:txBody>
+          <a:bodyPr rtlCol="0" anchor="ctr"/>
+          <a:lstStyle/>
+          <a:p>
+            <a:r>
+              <a:rPr lang="de-DE" sz="4000" b="1">
+                <a:solidFill>
+                  <a:schemeClr val="tx1"/>
+                </a:solidFill>
+              </a:rPr>
+              <a:t>Demo 2: Twitter Scraping Example</a:t>
+            </a:r>
+            <a:endParaRPr lang="en-US" sz="4000" b="1">
+              <a:solidFill>
+                <a:schemeClr val="tx1"/>
+              </a:solidFill>
+            </a:endParaRPr>
+          </a:p>
+        </p:txBody>
+      </p:sp>
+      <p:pic>
+        <p:nvPicPr>
+          <p:cNvPr id="9" name="Graphic 8" descr="Play with solid fill">
+            <a:extLst>
+              <a:ext uri="{FF2B5EF4-FFF2-40B4-BE49-F238E27FC236}">
+                <a16:creationId xmlns:a16="http://schemas.microsoft.com/office/drawing/2014/main" id="{5987626F-A389-40EE-AED1-4EC2BDAD023F}"/>
+              </a:ext>
+            </a:extLst>
+          </p:cNvPr>
+          <p:cNvPicPr>
+            <a:picLocks noChangeAspect="1"/>
+          </p:cNvPicPr>
+          <p:nvPr/>
+        </p:nvPicPr>
+        <p:blipFill>
+          <a:blip r:embed="rId3">
+            <a:extLst>
+              <a:ext uri="{28A0092B-C50C-407E-A947-70E740481C1C}">
+                <a14:useLocalDpi xmlns:a14="http://schemas.microsoft.com/office/drawing/2010/main" val="0"/>
+              </a:ext>
+              <a:ext uri="{96DAC541-7B7A-43D3-8B79-37D633B846F1}">
+                <asvg:svgBlip xmlns:asvg="http://schemas.microsoft.com/office/drawing/2016/SVG/main" r:embed="rId4"/>
+              </a:ext>
+            </a:extLst>
+          </a:blip>
+          <a:stretch>
+            <a:fillRect/>
+          </a:stretch>
+        </p:blipFill>
+        <p:spPr>
+          <a:xfrm>
+            <a:off x="923914" y="2276468"/>
+            <a:ext cx="2305062" cy="2305062"/>
+          </a:xfrm>
+          <a:prstGeom prst="rect">
+            <a:avLst/>
+          </a:prstGeom>
+        </p:spPr>
+      </p:pic>
+    </p:spTree>
+    <p:extLst>
+      <p:ext uri="{BB962C8B-B14F-4D97-AF65-F5344CB8AC3E}">
+        <p14:creationId xmlns:p14="http://schemas.microsoft.com/office/powerpoint/2010/main" val="2927456744"/>
+      </p:ext>
+    </p:extLst>
+  </p:cSld>
+  <p:clrMapOvr>
+    <a:masterClrMapping/>
+  </p:clrMapOvr>
+</p:sld>
+</file>
+
+<file path=ppt/slides/slide14.xml><?xml version="1.0" encoding="utf-8"?>
+<p:sld xmlns:a="http://schemas.openxmlformats.org/drawingml/2006/main" xmlns:r="http://schemas.openxmlformats.org/officeDocument/2006/relationships" xmlns:p="http://schemas.openxmlformats.org/presentationml/2006/main">
+  <p:cSld>
+    <p:spTree>
+      <p:nvGrpSpPr>
+        <p:cNvPr id="1" name=""/>
+        <p:cNvGrpSpPr/>
+        <p:nvPr/>
+      </p:nvGrpSpPr>
+      <p:grpSpPr>
+        <a:xfrm>
+          <a:off x="0" y="0"/>
+          <a:ext cx="0" cy="0"/>
+          <a:chOff x="0" y="0"/>
+          <a:chExt cx="0" cy="0"/>
+        </a:xfrm>
+      </p:grpSpPr>
+      <p:sp>
+        <p:nvSpPr>
+          <p:cNvPr id="4" name="Foliennummernplatzhalter 3"/>
+          <p:cNvSpPr>
+            <a:spLocks noGrp="1"/>
+          </p:cNvSpPr>
+          <p:nvPr>
+            <p:ph type="sldNum" sz="quarter" idx="12"/>
+          </p:nvPr>
+        </p:nvSpPr>
+        <p:spPr/>
+        <p:txBody>
+          <a:bodyPr/>
+          <a:lstStyle/>
+          <a:p>
+            <a:fld id="{C9E0B00B-E6DF-4183-A694-3DE28BEFB357}" type="slidenum">
+              <a:rPr lang="en-US" smtClean="0"/>
+              <a:t>14</a:t>
+            </a:fld>
+            <a:endParaRPr lang="en-US"/>
+          </a:p>
+        </p:txBody>
+      </p:sp>
+      <p:sp>
+        <p:nvSpPr>
+          <p:cNvPr id="12" name="Titel 1">
+            <a:extLst>
+              <a:ext uri="{FF2B5EF4-FFF2-40B4-BE49-F238E27FC236}">
+                <a16:creationId xmlns:a16="http://schemas.microsoft.com/office/drawing/2014/main" id="{478EA67A-3C39-4D0A-996A-C363F30A14B2}"/>
+              </a:ext>
+            </a:extLst>
+          </p:cNvPr>
+          <p:cNvSpPr>
+            <a:spLocks noGrp="1"/>
+          </p:cNvSpPr>
+          <p:nvPr>
+            <p:ph type="title"/>
+          </p:nvPr>
+        </p:nvSpPr>
+        <p:spPr>
+          <a:xfrm>
+            <a:off x="1066800" y="561524"/>
+            <a:ext cx="10287000" cy="1129164"/>
+          </a:xfrm>
+        </p:spPr>
+        <p:txBody>
+          <a:bodyPr/>
+          <a:lstStyle/>
+          <a:p>
+            <a:r>
+              <a:rPr lang="en-US"/>
+              <a:t>Scraping  </a:t>
+            </a:r>
+            <a:r>
+              <a:rPr lang="en-US" b="1"/>
+              <a:t>Twitter Demo Python</a:t>
+            </a:r>
+          </a:p>
+        </p:txBody>
+      </p:sp>
+      <p:sp>
+        <p:nvSpPr>
+          <p:cNvPr id="7" name="Rectangle 6">
+            <a:extLst>
+              <a:ext uri="{FF2B5EF4-FFF2-40B4-BE49-F238E27FC236}">
+                <a16:creationId xmlns:a16="http://schemas.microsoft.com/office/drawing/2014/main" id="{399D5C87-EDAB-4C4B-A55D-E6DBDD9D5ABA}"/>
+              </a:ext>
+            </a:extLst>
+          </p:cNvPr>
+          <p:cNvSpPr/>
+          <p:nvPr/>
+        </p:nvSpPr>
+        <p:spPr>
+          <a:xfrm>
+            <a:off x="3228976" y="1992993"/>
+            <a:ext cx="8153400" cy="2872013"/>
+          </a:xfrm>
+          <a:prstGeom prst="rect">
+            <a:avLst/>
+          </a:prstGeom>
+          <a:solidFill>
+            <a:schemeClr val="bg2"/>
+          </a:solidFill>
+          <a:ln w="19050">
+            <a:solidFill>
+              <a:schemeClr val="bg2"/>
+            </a:solidFill>
+          </a:ln>
+        </p:spPr>
+        <p:style>
+          <a:lnRef idx="2">
+            <a:schemeClr val="dk1"/>
+          </a:lnRef>
+          <a:fillRef idx="1">
+            <a:schemeClr val="lt1"/>
+          </a:fillRef>
+          <a:effectRef idx="0">
+            <a:schemeClr val="dk1"/>
+          </a:effectRef>
+          <a:fontRef idx="minor">
+            <a:schemeClr val="dk1"/>
+          </a:fontRef>
+        </p:style>
+        <p:txBody>
+          <a:bodyPr rtlCol="0" anchor="ctr"/>
+          <a:lstStyle/>
+          <a:p>
+            <a:r>
+              <a:rPr lang="de-DE" sz="4000" b="1">
+                <a:solidFill>
+                  <a:schemeClr val="tx1"/>
+                </a:solidFill>
+              </a:rPr>
+              <a:t>Demo 3: Twitter Scraping Python</a:t>
+            </a:r>
+            <a:endParaRPr lang="en-US" sz="4000" b="1">
+              <a:solidFill>
+                <a:schemeClr val="tx1"/>
+              </a:solidFill>
+            </a:endParaRPr>
+          </a:p>
+        </p:txBody>
+      </p:sp>
+      <p:pic>
+        <p:nvPicPr>
+          <p:cNvPr id="9" name="Graphic 8" descr="Play with solid fill">
+            <a:extLst>
+              <a:ext uri="{FF2B5EF4-FFF2-40B4-BE49-F238E27FC236}">
+                <a16:creationId xmlns:a16="http://schemas.microsoft.com/office/drawing/2014/main" id="{5987626F-A389-40EE-AED1-4EC2BDAD023F}"/>
+              </a:ext>
+            </a:extLst>
+          </p:cNvPr>
+          <p:cNvPicPr>
+            <a:picLocks noChangeAspect="1"/>
+          </p:cNvPicPr>
+          <p:nvPr/>
+        </p:nvPicPr>
+        <p:blipFill>
+          <a:blip r:embed="rId3">
+            <a:extLst>
+              <a:ext uri="{28A0092B-C50C-407E-A947-70E740481C1C}">
+                <a14:useLocalDpi xmlns:a14="http://schemas.microsoft.com/office/drawing/2010/main" val="0"/>
+              </a:ext>
+              <a:ext uri="{96DAC541-7B7A-43D3-8B79-37D633B846F1}">
+                <asvg:svgBlip xmlns:asvg="http://schemas.microsoft.com/office/drawing/2016/SVG/main" r:embed="rId4"/>
+              </a:ext>
+            </a:extLst>
+          </a:blip>
+          <a:stretch>
+            <a:fillRect/>
+          </a:stretch>
+        </p:blipFill>
+        <p:spPr>
+          <a:xfrm>
+            <a:off x="923914" y="2276468"/>
+            <a:ext cx="2305062" cy="2305062"/>
+          </a:xfrm>
+          <a:prstGeom prst="rect">
+            <a:avLst/>
+          </a:prstGeom>
+        </p:spPr>
+      </p:pic>
+    </p:spTree>
+    <p:extLst>
+      <p:ext uri="{BB962C8B-B14F-4D97-AF65-F5344CB8AC3E}">
+        <p14:creationId xmlns:p14="http://schemas.microsoft.com/office/powerpoint/2010/main" val="4178310580"/>
+      </p:ext>
+    </p:extLst>
+  </p:cSld>
+  <p:clrMapOvr>
+    <a:masterClrMapping/>
+  </p:clrMapOvr>
+</p:sld>
+</file>
+
+<file path=ppt/slides/slide15.xml><?xml version="1.0" encoding="utf-8"?>
+<p:sld xmlns:a="http://schemas.openxmlformats.org/drawingml/2006/main" xmlns:r="http://schemas.openxmlformats.org/officeDocument/2006/relationships" xmlns:p="http://schemas.openxmlformats.org/presentationml/2006/main">
+  <p:cSld>
+    <p:spTree>
+      <p:nvGrpSpPr>
+        <p:cNvPr id="1" name=""/>
+        <p:cNvGrpSpPr/>
+        <p:nvPr/>
+      </p:nvGrpSpPr>
+      <p:grpSpPr>
+        <a:xfrm>
+          <a:off x="0" y="0"/>
+          <a:ext cx="0" cy="0"/>
+          <a:chOff x="0" y="0"/>
+          <a:chExt cx="0" cy="0"/>
+        </a:xfrm>
+      </p:grpSpPr>
+      <p:sp>
+        <p:nvSpPr>
+          <p:cNvPr id="2" name="Titel 1"/>
+          <p:cNvSpPr>
+            <a:spLocks noGrp="1"/>
+          </p:cNvSpPr>
+          <p:nvPr>
+            <p:ph type="title"/>
+          </p:nvPr>
+        </p:nvSpPr>
+        <p:spPr>
+          <a:xfrm>
+            <a:off x="1066800" y="1990724"/>
+            <a:ext cx="10287000" cy="2886075"/>
+          </a:xfrm>
+        </p:spPr>
+        <p:txBody>
+          <a:bodyPr/>
+          <a:lstStyle/>
+          <a:p>
+            <a:r>
+              <a:rPr lang="en-US" b="1">
+                <a:effectLst>
+                  <a:outerShdw blurRad="38100" dist="38100" dir="2700000" algn="tl">
+                    <a:srgbClr val="000000">
+                      <a:alpha val="43137"/>
+                    </a:srgbClr>
+                  </a:outerShdw>
+                </a:effectLst>
+              </a:rPr>
+              <a:t>Part II: Scraping &amp; Text Normalization</a:t>
+            </a:r>
+          </a:p>
+        </p:txBody>
+      </p:sp>
+      <p:sp>
+        <p:nvSpPr>
+          <p:cNvPr id="3" name="Textplatzhalter 2"/>
+          <p:cNvSpPr>
+            <a:spLocks noGrp="1"/>
+          </p:cNvSpPr>
+          <p:nvPr>
+            <p:ph type="body" idx="1"/>
+          </p:nvPr>
+        </p:nvSpPr>
+        <p:spPr>
+          <a:xfrm>
+            <a:off x="1066798" y="4876799"/>
+            <a:ext cx="10280651" cy="1212851"/>
+          </a:xfrm>
+        </p:spPr>
+        <p:txBody>
+          <a:bodyPr/>
+          <a:lstStyle/>
+          <a:p>
+            <a:r>
+              <a:rPr lang="en-US" b="1">
+                <a:effectLst>
+                  <a:outerShdw blurRad="38100" dist="38100" dir="2700000" algn="tl">
+                    <a:srgbClr val="000000">
+                      <a:alpha val="43137"/>
+                    </a:srgbClr>
+                  </a:outerShdw>
+                </a:effectLst>
+              </a:rPr>
+              <a:t>Text Normalization</a:t>
+            </a:r>
+            <a:endParaRPr lang="en-US" b="1" dirty="0">
+              <a:effectLst>
+                <a:outerShdw blurRad="38100" dist="38100" dir="2700000" algn="tl">
+                  <a:srgbClr val="000000">
+                    <a:alpha val="43137"/>
+                  </a:srgbClr>
+                </a:outerShdw>
+              </a:effectLst>
+            </a:endParaRPr>
+          </a:p>
+        </p:txBody>
+      </p:sp>
+      <p:sp>
+        <p:nvSpPr>
+          <p:cNvPr id="4" name="Foliennummernplatzhalter 3"/>
+          <p:cNvSpPr>
+            <a:spLocks noGrp="1"/>
+          </p:cNvSpPr>
+          <p:nvPr>
+            <p:ph type="sldNum" sz="quarter" idx="12"/>
+          </p:nvPr>
+        </p:nvSpPr>
+        <p:spPr/>
+        <p:txBody>
+          <a:bodyPr/>
+          <a:lstStyle/>
+          <a:p>
+            <a:fld id="{C9E0B00B-E6DF-4183-A694-3DE28BEFB357}" type="slidenum">
+              <a:rPr lang="en-US" smtClean="0"/>
+              <a:t>15</a:t>
+            </a:fld>
+            <a:endParaRPr lang="en-US"/>
+          </a:p>
+        </p:txBody>
+      </p:sp>
+    </p:spTree>
+    <p:extLst>
+      <p:ext uri="{BB962C8B-B14F-4D97-AF65-F5344CB8AC3E}">
+        <p14:creationId xmlns:p14="http://schemas.microsoft.com/office/powerpoint/2010/main" val="887464704"/>
+      </p:ext>
+    </p:extLst>
+  </p:cSld>
+  <p:clrMapOvr>
+    <a:masterClrMapping/>
+  </p:clrMapOvr>
+</p:sld>
+</file>
+
+<file path=ppt/slides/slide16.xml><?xml version="1.0" encoding="utf-8"?>
+<p:sld xmlns:a="http://schemas.openxmlformats.org/drawingml/2006/main" xmlns:r="http://schemas.openxmlformats.org/officeDocument/2006/relationships" xmlns:p="http://schemas.openxmlformats.org/presentationml/2006/main">
+  <p:cSld>
+    <p:spTree>
+      <p:nvGrpSpPr>
+        <p:cNvPr id="1" name=""/>
+        <p:cNvGrpSpPr/>
+        <p:nvPr/>
+      </p:nvGrpSpPr>
+      <p:grpSpPr>
+        <a:xfrm>
+          <a:off x="0" y="0"/>
+          <a:ext cx="0" cy="0"/>
+          <a:chOff x="0" y="0"/>
+          <a:chExt cx="0" cy="0"/>
+        </a:xfrm>
+      </p:grpSpPr>
+      <p:sp>
+        <p:nvSpPr>
           <p:cNvPr id="2" name="Titel 1"/>
           <p:cNvSpPr>
             <a:spLocks noGrp="1"/>
@@ -5811,7 +6814,7 @@
           <a:p>
             <a:fld id="{C9E0B00B-E6DF-4183-A694-3DE28BEFB357}" type="slidenum">
               <a:rPr lang="en-US" smtClean="0"/>
-              <a:t>13</a:t>
+              <a:t>16</a:t>
             </a:fld>
             <a:endParaRPr lang="en-US"/>
           </a:p>
@@ -6401,7 +7404,7 @@
 </p:sld>
 </file>
 
-<file path=ppt/slides/slide14.xml><?xml version="1.0" encoding="utf-8"?>
+<file path=ppt/slides/slide17.xml><?xml version="1.0" encoding="utf-8"?>
 <p:sld xmlns:a="http://schemas.openxmlformats.org/drawingml/2006/main" xmlns:r="http://schemas.openxmlformats.org/officeDocument/2006/relationships" xmlns:p="http://schemas.openxmlformats.org/presentationml/2006/main">
   <p:cSld>
     <p:spTree>
@@ -6461,7 +7464,7 @@
           <a:p>
             <a:fld id="{C9E0B00B-E6DF-4183-A694-3DE28BEFB357}" type="slidenum">
               <a:rPr lang="en-US" smtClean="0"/>
-              <a:t>14</a:t>
+              <a:t>17</a:t>
             </a:fld>
             <a:endParaRPr lang="en-US"/>
           </a:p>
@@ -7270,7 +8273,7 @@
 </p:sld>
 </file>
 
-<file path=ppt/slides/slide15.xml><?xml version="1.0" encoding="utf-8"?>
+<file path=ppt/slides/slide18.xml><?xml version="1.0" encoding="utf-8"?>
 <p:sld xmlns:a="http://schemas.openxmlformats.org/drawingml/2006/main" xmlns:r="http://schemas.openxmlformats.org/officeDocument/2006/relationships" xmlns:p="http://schemas.openxmlformats.org/presentationml/2006/main">
   <p:cSld>
     <p:spTree>
@@ -7504,7 +8507,7 @@
           <a:p>
             <a:fld id="{C9E0B00B-E6DF-4183-A694-3DE28BEFB357}" type="slidenum">
               <a:rPr lang="en-US" smtClean="0"/>
-              <a:t>15</a:t>
+              <a:t>18</a:t>
             </a:fld>
             <a:endParaRPr lang="en-US"/>
           </a:p>
@@ -7523,7 +8526,7 @@
 </p:sld>
 </file>
 
-<file path=ppt/slides/slide16.xml><?xml version="1.0" encoding="utf-8"?>
+<file path=ppt/slides/slide19.xml><?xml version="1.0" encoding="utf-8"?>
 <p:sld xmlns:a="http://schemas.openxmlformats.org/drawingml/2006/main" xmlns:r="http://schemas.openxmlformats.org/officeDocument/2006/relationships" xmlns:p="http://schemas.openxmlformats.org/presentationml/2006/main">
   <p:cSld>
     <p:spTree>
@@ -7673,7 +8676,7 @@
           <a:p>
             <a:fld id="{C9E0B00B-E6DF-4183-A694-3DE28BEFB357}" type="slidenum">
               <a:rPr lang="en-US" smtClean="0"/>
-              <a:t>16</a:t>
+              <a:t>19</a:t>
             </a:fld>
             <a:endParaRPr lang="en-US"/>
           </a:p>
@@ -8211,621 +9214,6 @@
 </p:sld>
 </file>
 
-<file path=ppt/slides/slide17.xml><?xml version="1.0" encoding="utf-8"?>
-<p:sld xmlns:a="http://schemas.openxmlformats.org/drawingml/2006/main" xmlns:r="http://schemas.openxmlformats.org/officeDocument/2006/relationships" xmlns:p="http://schemas.openxmlformats.org/presentationml/2006/main">
-  <p:cSld>
-    <p:spTree>
-      <p:nvGrpSpPr>
-        <p:cNvPr id="1" name=""/>
-        <p:cNvGrpSpPr/>
-        <p:nvPr/>
-      </p:nvGrpSpPr>
-      <p:grpSpPr>
-        <a:xfrm>
-          <a:off x="0" y="0"/>
-          <a:ext cx="0" cy="0"/>
-          <a:chOff x="0" y="0"/>
-          <a:chExt cx="0" cy="0"/>
-        </a:xfrm>
-      </p:grpSpPr>
-      <p:sp>
-        <p:nvSpPr>
-          <p:cNvPr id="2" name="Titel 1"/>
-          <p:cNvSpPr>
-            <a:spLocks noGrp="1"/>
-          </p:cNvSpPr>
-          <p:nvPr>
-            <p:ph type="title"/>
-          </p:nvPr>
-        </p:nvSpPr>
-        <p:spPr/>
-        <p:txBody>
-          <a:bodyPr/>
-          <a:lstStyle/>
-          <a:p>
-            <a:r>
-              <a:rPr lang="en-US" dirty="0"/>
-              <a:t>Stemming, Lemmatization</a:t>
-            </a:r>
-          </a:p>
-        </p:txBody>
-      </p:sp>
-      <p:sp>
-        <p:nvSpPr>
-          <p:cNvPr id="3" name="Inhaltsplatzhalter 2"/>
-          <p:cNvSpPr>
-            <a:spLocks noGrp="1"/>
-          </p:cNvSpPr>
-          <p:nvPr>
-            <p:ph idx="1"/>
-          </p:nvPr>
-        </p:nvSpPr>
-        <p:spPr>
-          <a:xfrm>
-            <a:off x="838200" y="1825624"/>
-            <a:ext cx="10515600" cy="4773479"/>
-          </a:xfrm>
-        </p:spPr>
-        <p:txBody>
-          <a:bodyPr>
-            <a:normAutofit lnSpcReduction="10000"/>
-          </a:bodyPr>
-          <a:lstStyle/>
-          <a:p>
-            <a:r>
-              <a:rPr lang="en-GB" dirty="0"/>
-              <a:t>Is not always a good idea</a:t>
-            </a:r>
-            <a:r>
-              <a:rPr lang="de-DE" dirty="0"/>
-              <a:t>: potential </a:t>
-            </a:r>
-            <a:r>
-              <a:rPr lang="de-DE" dirty="0" err="1"/>
-              <a:t>errors</a:t>
-            </a:r>
-            <a:endParaRPr lang="de-DE" dirty="0"/>
-          </a:p>
-          <a:p>
-            <a:pPr marL="0" indent="0">
-              <a:buNone/>
-            </a:pPr>
-            <a:endParaRPr lang="de-DE" dirty="0"/>
-          </a:p>
-          <a:p>
-            <a:pPr lvl="1"/>
-            <a:r>
-              <a:rPr lang="de-DE" dirty="0" err="1"/>
-              <a:t>Overstemming</a:t>
-            </a:r>
-            <a:r>
-              <a:rPr lang="de-DE" dirty="0"/>
-              <a:t>: </a:t>
-            </a:r>
-            <a:r>
-              <a:rPr lang="de-DE" i="1" dirty="0" err="1"/>
-              <a:t>politics</a:t>
-            </a:r>
-            <a:r>
-              <a:rPr lang="de-DE" i="1" dirty="0"/>
-              <a:t> </a:t>
-            </a:r>
-            <a:r>
-              <a:rPr lang="de-DE" i="1" dirty="0">
-                <a:sym typeface="Wingdings" panose="05000000000000000000" pitchFamily="2" charset="2"/>
-              </a:rPr>
-              <a:t> </a:t>
-            </a:r>
-            <a:r>
-              <a:rPr lang="de-DE" i="1" dirty="0" err="1">
-                <a:sym typeface="Wingdings" panose="05000000000000000000" pitchFamily="2" charset="2"/>
-              </a:rPr>
-              <a:t>polit</a:t>
-            </a:r>
-            <a:endParaRPr lang="de-DE" i="1" dirty="0"/>
-          </a:p>
-          <a:p>
-            <a:pPr lvl="1"/>
-            <a:r>
-              <a:rPr lang="de-DE" dirty="0" err="1"/>
-              <a:t>Understemming</a:t>
-            </a:r>
-            <a:r>
-              <a:rPr lang="de-DE" dirty="0"/>
-              <a:t>: </a:t>
-            </a:r>
-            <a:r>
-              <a:rPr lang="de-DE" i="1" dirty="0" err="1"/>
-              <a:t>travels</a:t>
-            </a:r>
-            <a:r>
-              <a:rPr lang="de-DE" i="1" dirty="0"/>
-              <a:t> </a:t>
-            </a:r>
-            <a:r>
-              <a:rPr lang="de-DE" i="1" dirty="0">
-                <a:sym typeface="Wingdings" panose="05000000000000000000" pitchFamily="2" charset="2"/>
-              </a:rPr>
-              <a:t> </a:t>
-            </a:r>
-            <a:r>
-              <a:rPr lang="de-DE" i="1" dirty="0" err="1">
-                <a:sym typeface="Wingdings" panose="05000000000000000000" pitchFamily="2" charset="2"/>
-              </a:rPr>
-              <a:t>trav</a:t>
-            </a:r>
-            <a:r>
-              <a:rPr lang="de-DE" i="1" dirty="0">
-                <a:sym typeface="Wingdings" panose="05000000000000000000" pitchFamily="2" charset="2"/>
-              </a:rPr>
-              <a:t> </a:t>
-            </a:r>
-            <a:r>
-              <a:rPr lang="de-DE" dirty="0">
-                <a:sym typeface="Wingdings" panose="05000000000000000000" pitchFamily="2" charset="2"/>
-              </a:rPr>
-              <a:t>but </a:t>
-            </a:r>
-            <a:r>
-              <a:rPr lang="de-DE" i="1" dirty="0" err="1">
-                <a:sym typeface="Wingdings" panose="05000000000000000000" pitchFamily="2" charset="2"/>
-              </a:rPr>
-              <a:t>travelled</a:t>
-            </a:r>
-            <a:r>
-              <a:rPr lang="de-DE" i="1" dirty="0">
-                <a:sym typeface="Wingdings" panose="05000000000000000000" pitchFamily="2" charset="2"/>
-              </a:rPr>
-              <a:t>  </a:t>
-            </a:r>
-            <a:r>
-              <a:rPr lang="de-DE" i="1" dirty="0" err="1">
-                <a:sym typeface="Wingdings" panose="05000000000000000000" pitchFamily="2" charset="2"/>
-              </a:rPr>
-              <a:t>travel</a:t>
-            </a:r>
-            <a:endParaRPr lang="en-GB" i="1" dirty="0"/>
-          </a:p>
-          <a:p>
-            <a:endParaRPr lang="de-DE" dirty="0"/>
-          </a:p>
-          <a:p>
-            <a:r>
-              <a:rPr lang="en-US" dirty="0"/>
-              <a:t>Another technique: Lemmatization </a:t>
-            </a:r>
-          </a:p>
-          <a:p>
-            <a:endParaRPr lang="en-US" dirty="0"/>
-          </a:p>
-          <a:p>
-            <a:pPr lvl="1"/>
-            <a:r>
-              <a:rPr lang="en-US" dirty="0"/>
-              <a:t>Get back to the root word (not root stem)</a:t>
-            </a:r>
-          </a:p>
-          <a:p>
-            <a:pPr lvl="1"/>
-            <a:r>
-              <a:rPr lang="en-US" dirty="0"/>
-              <a:t>Difference: the lemma will always be present in the dictionary (lexicographically correct word)</a:t>
-            </a:r>
-          </a:p>
-          <a:p>
-            <a:pPr lvl="1"/>
-            <a:r>
-              <a:rPr lang="en-US" dirty="0"/>
-              <a:t>Slower</a:t>
-            </a:r>
-          </a:p>
-          <a:p>
-            <a:pPr lvl="1"/>
-            <a:endParaRPr lang="en-US" dirty="0"/>
-          </a:p>
-        </p:txBody>
-      </p:sp>
-      <p:sp>
-        <p:nvSpPr>
-          <p:cNvPr id="4" name="Foliennummernplatzhalter 3"/>
-          <p:cNvSpPr>
-            <a:spLocks noGrp="1"/>
-          </p:cNvSpPr>
-          <p:nvPr>
-            <p:ph type="sldNum" sz="quarter" idx="12"/>
-          </p:nvPr>
-        </p:nvSpPr>
-        <p:spPr/>
-        <p:txBody>
-          <a:bodyPr/>
-          <a:lstStyle/>
-          <a:p>
-            <a:fld id="{C9E0B00B-E6DF-4183-A694-3DE28BEFB357}" type="slidenum">
-              <a:rPr lang="en-US" smtClean="0"/>
-              <a:t>17</a:t>
-            </a:fld>
-            <a:endParaRPr lang="en-US"/>
-          </a:p>
-        </p:txBody>
-      </p:sp>
-    </p:spTree>
-    <p:extLst>
-      <p:ext uri="{BB962C8B-B14F-4D97-AF65-F5344CB8AC3E}">
-        <p14:creationId xmlns:p14="http://schemas.microsoft.com/office/powerpoint/2010/main" val="4273802801"/>
-      </p:ext>
-    </p:extLst>
-  </p:cSld>
-  <p:clrMapOvr>
-    <a:masterClrMapping/>
-  </p:clrMapOvr>
-</p:sld>
-</file>
-
-<file path=ppt/slides/slide18.xml><?xml version="1.0" encoding="utf-8"?>
-<p:sld xmlns:a="http://schemas.openxmlformats.org/drawingml/2006/main" xmlns:r="http://schemas.openxmlformats.org/officeDocument/2006/relationships" xmlns:p="http://schemas.openxmlformats.org/presentationml/2006/main">
-  <p:cSld>
-    <p:spTree>
-      <p:nvGrpSpPr>
-        <p:cNvPr id="1" name=""/>
-        <p:cNvGrpSpPr/>
-        <p:nvPr/>
-      </p:nvGrpSpPr>
-      <p:grpSpPr>
-        <a:xfrm>
-          <a:off x="0" y="0"/>
-          <a:ext cx="0" cy="0"/>
-          <a:chOff x="0" y="0"/>
-          <a:chExt cx="0" cy="0"/>
-        </a:xfrm>
-      </p:grpSpPr>
-      <p:sp>
-        <p:nvSpPr>
-          <p:cNvPr id="2" name="Titel 1"/>
-          <p:cNvSpPr>
-            <a:spLocks noGrp="1"/>
-          </p:cNvSpPr>
-          <p:nvPr>
-            <p:ph type="title"/>
-          </p:nvPr>
-        </p:nvSpPr>
-        <p:spPr/>
-        <p:txBody>
-          <a:bodyPr/>
-          <a:lstStyle/>
-          <a:p>
-            <a:r>
-              <a:rPr lang="en-US" b="1" dirty="0">
-                <a:effectLst>
-                  <a:outerShdw blurRad="38100" dist="38100" dir="2700000" algn="tl">
-                    <a:srgbClr val="000000">
-                      <a:alpha val="43137"/>
-                    </a:srgbClr>
-                  </a:outerShdw>
-                </a:effectLst>
-              </a:rPr>
-              <a:t>Part II: Scraping &amp; Text Cleaning</a:t>
-            </a:r>
-          </a:p>
-        </p:txBody>
-      </p:sp>
-      <p:sp>
-        <p:nvSpPr>
-          <p:cNvPr id="3" name="Textplatzhalter 2"/>
-          <p:cNvSpPr>
-            <a:spLocks noGrp="1"/>
-          </p:cNvSpPr>
-          <p:nvPr>
-            <p:ph type="body" idx="1"/>
-          </p:nvPr>
-        </p:nvSpPr>
-        <p:spPr/>
-        <p:txBody>
-          <a:bodyPr/>
-          <a:lstStyle/>
-          <a:p>
-            <a:r>
-              <a:rPr lang="en-US" b="1" dirty="0">
-                <a:effectLst>
-                  <a:outerShdw blurRad="38100" dist="38100" dir="2700000" algn="tl">
-                    <a:srgbClr val="000000">
-                      <a:alpha val="43137"/>
-                    </a:srgbClr>
-                  </a:outerShdw>
-                </a:effectLst>
-              </a:rPr>
-              <a:t>Practical Application</a:t>
-            </a:r>
-          </a:p>
-        </p:txBody>
-      </p:sp>
-      <p:sp>
-        <p:nvSpPr>
-          <p:cNvPr id="4" name="Foliennummernplatzhalter 3"/>
-          <p:cNvSpPr>
-            <a:spLocks noGrp="1"/>
-          </p:cNvSpPr>
-          <p:nvPr>
-            <p:ph type="sldNum" sz="quarter" idx="12"/>
-          </p:nvPr>
-        </p:nvSpPr>
-        <p:spPr/>
-        <p:txBody>
-          <a:bodyPr/>
-          <a:lstStyle/>
-          <a:p>
-            <a:fld id="{C9E0B00B-E6DF-4183-A694-3DE28BEFB357}" type="slidenum">
-              <a:rPr lang="en-US" smtClean="0"/>
-              <a:t>18</a:t>
-            </a:fld>
-            <a:endParaRPr lang="en-US"/>
-          </a:p>
-        </p:txBody>
-      </p:sp>
-    </p:spTree>
-    <p:extLst>
-      <p:ext uri="{BB962C8B-B14F-4D97-AF65-F5344CB8AC3E}">
-        <p14:creationId xmlns:p14="http://schemas.microsoft.com/office/powerpoint/2010/main" val="870340316"/>
-      </p:ext>
-    </p:extLst>
-  </p:cSld>
-  <p:clrMapOvr>
-    <a:masterClrMapping/>
-  </p:clrMapOvr>
-</p:sld>
-</file>
-
-<file path=ppt/slides/slide19.xml><?xml version="1.0" encoding="utf-8"?>
-<p:sld xmlns:a="http://schemas.openxmlformats.org/drawingml/2006/main" xmlns:r="http://schemas.openxmlformats.org/officeDocument/2006/relationships" xmlns:p="http://schemas.openxmlformats.org/presentationml/2006/main">
-  <p:cSld>
-    <p:spTree>
-      <p:nvGrpSpPr>
-        <p:cNvPr id="1" name=""/>
-        <p:cNvGrpSpPr/>
-        <p:nvPr/>
-      </p:nvGrpSpPr>
-      <p:grpSpPr>
-        <a:xfrm>
-          <a:off x="0" y="0"/>
-          <a:ext cx="0" cy="0"/>
-          <a:chOff x="0" y="0"/>
-          <a:chExt cx="0" cy="0"/>
-        </a:xfrm>
-      </p:grpSpPr>
-      <p:sp>
-        <p:nvSpPr>
-          <p:cNvPr id="3" name="Inhaltsplatzhalter 2"/>
-          <p:cNvSpPr>
-            <a:spLocks noGrp="1"/>
-          </p:cNvSpPr>
-          <p:nvPr>
-            <p:ph idx="1"/>
-          </p:nvPr>
-        </p:nvSpPr>
-        <p:spPr>
-          <a:xfrm>
-            <a:off x="838200" y="385011"/>
-            <a:ext cx="10515600" cy="6336464"/>
-          </a:xfrm>
-        </p:spPr>
-        <p:txBody>
-          <a:bodyPr>
-            <a:normAutofit/>
-          </a:bodyPr>
-          <a:lstStyle/>
-          <a:p>
-            <a:pPr marL="0" indent="0">
-              <a:buNone/>
-            </a:pPr>
-            <a:r>
-              <a:rPr lang="en-US" b="1" u="sng" dirty="0"/>
-              <a:t>Preparation</a:t>
-            </a:r>
-            <a:r>
-              <a:rPr lang="en-US" dirty="0"/>
-              <a:t>: </a:t>
-            </a:r>
-          </a:p>
-          <a:p>
-            <a:pPr marL="914400" lvl="1" indent="-457200">
-              <a:buFont typeface="+mj-lt"/>
-              <a:buAutoNum type="arabicParenR"/>
-            </a:pPr>
-            <a:r>
-              <a:rPr lang="en-US" dirty="0"/>
-              <a:t>Get an access to Google Collab</a:t>
-            </a:r>
-          </a:p>
-          <a:p>
-            <a:pPr marL="914400" lvl="1" indent="-457200">
-              <a:buFont typeface="+mj-lt"/>
-              <a:buAutoNum type="arabicParenR"/>
-            </a:pPr>
-            <a:r>
-              <a:rPr lang="en-US" dirty="0"/>
-              <a:t>Open </a:t>
-            </a:r>
-            <a:r>
-              <a:rPr lang="en-US" dirty="0" err="1"/>
-              <a:t>Jupyter</a:t>
-            </a:r>
-            <a:r>
-              <a:rPr lang="en-US" dirty="0"/>
-              <a:t> Notebook: </a:t>
-            </a:r>
-            <a:r>
-              <a:rPr lang="en-US" dirty="0" err="1"/>
-              <a:t>Tutorial_Scraping_RegEx.ipynb</a:t>
-            </a:r>
-            <a:endParaRPr lang="en-US" dirty="0"/>
-          </a:p>
-          <a:p>
-            <a:pPr marL="914400" lvl="1" indent="-457200">
-              <a:buFont typeface="+mj-lt"/>
-              <a:buAutoNum type="arabicParenR"/>
-            </a:pPr>
-            <a:r>
-              <a:rPr lang="en-US" dirty="0"/>
-              <a:t>Set up R</a:t>
-            </a:r>
-          </a:p>
-          <a:p>
-            <a:pPr marL="0" indent="0">
-              <a:buNone/>
-            </a:pPr>
-            <a:r>
-              <a:rPr lang="en-US" b="1" u="sng" dirty="0"/>
-              <a:t>Exercises:</a:t>
-            </a:r>
-          </a:p>
-          <a:p>
-            <a:pPr marL="971550" lvl="1" indent="-514350">
-              <a:buFont typeface="Arial" panose="020B0604020202020204" pitchFamily="34" charset="0"/>
-              <a:buAutoNum type="arabicParenR"/>
-            </a:pPr>
-            <a:r>
-              <a:rPr lang="en-US" dirty="0"/>
-              <a:t>Web Scraping: Extract the Titles and Texts from the following webpage and save in a data frame: https://practicewebscrapingsite.wordpress.com/example-1</a:t>
-            </a:r>
-          </a:p>
-          <a:p>
-            <a:pPr marL="971550" lvl="1" indent="-514350">
-              <a:buFont typeface="Arial" panose="020B0604020202020204" pitchFamily="34" charset="0"/>
-              <a:buAutoNum type="arabicParenR"/>
-            </a:pPr>
-            <a:r>
-              <a:rPr lang="en-US" dirty="0"/>
-              <a:t>Twitter Scraping: </a:t>
-            </a:r>
-          </a:p>
-          <a:p>
-            <a:pPr marL="1428750" lvl="2" indent="-514350">
-              <a:buFont typeface="Arial" panose="020B0604020202020204" pitchFamily="34" charset="0"/>
-              <a:buAutoNum type="arabicParenR"/>
-            </a:pPr>
-            <a:r>
-              <a:rPr lang="en-US" dirty="0"/>
-              <a:t>Scrape 500 tweets with hashtag “</a:t>
-            </a:r>
-            <a:r>
-              <a:rPr lang="en-US" dirty="0" err="1"/>
-              <a:t>covid</a:t>
-            </a:r>
-            <a:r>
-              <a:rPr lang="en-US" dirty="0"/>
-              <a:t>” (exclude retweets)</a:t>
-            </a:r>
-          </a:p>
-          <a:p>
-            <a:pPr marL="1428750" lvl="2" indent="-514350">
-              <a:buFont typeface="Arial" panose="020B0604020202020204" pitchFamily="34" charset="0"/>
-              <a:buAutoNum type="arabicParenR"/>
-            </a:pPr>
-            <a:r>
-              <a:rPr lang="en-US" dirty="0"/>
-              <a:t>Visualize the timeline by hours and by minutes. Which one is more appropriate?</a:t>
-            </a:r>
-          </a:p>
-          <a:p>
-            <a:pPr marL="1428750" lvl="2" indent="-514350">
-              <a:buFont typeface="Arial" panose="020B0604020202020204" pitchFamily="34" charset="0"/>
-              <a:buAutoNum type="arabicParenR"/>
-            </a:pPr>
-            <a:r>
-              <a:rPr lang="en-US" dirty="0"/>
-              <a:t>Print the most retweeted tweet.</a:t>
-            </a:r>
-          </a:p>
-          <a:p>
-            <a:pPr marL="914400" lvl="1" indent="-457200">
-              <a:buAutoNum type="arabicParenR" startAt="3"/>
-            </a:pPr>
-            <a:r>
-              <a:rPr lang="en-US" dirty="0"/>
-              <a:t>Regular Expressions:</a:t>
-            </a:r>
-          </a:p>
-          <a:p>
-            <a:pPr marL="914400" lvl="2" indent="0">
-              <a:buNone/>
-            </a:pPr>
-            <a:r>
-              <a:rPr lang="en-US" dirty="0"/>
-              <a:t>1)     See:  </a:t>
-            </a:r>
-            <a:r>
-              <a:rPr lang="en-US" dirty="0" err="1"/>
-              <a:t>Tutorial_Scraping_RegEx.ipynb</a:t>
-            </a:r>
-            <a:endParaRPr lang="en-US" dirty="0"/>
-          </a:p>
-          <a:p>
-            <a:pPr marL="914400" lvl="2" indent="0">
-              <a:buNone/>
-            </a:pPr>
-            <a:endParaRPr lang="en-US" dirty="0"/>
-          </a:p>
-          <a:p>
-            <a:pPr marL="457200" lvl="1" indent="0">
-              <a:buNone/>
-            </a:pPr>
-            <a:endParaRPr lang="en-US" dirty="0"/>
-          </a:p>
-          <a:p>
-            <a:pPr marL="0" indent="0">
-              <a:buNone/>
-            </a:pPr>
-            <a:endParaRPr lang="en-US" dirty="0"/>
-          </a:p>
-          <a:p>
-            <a:pPr marL="514350" indent="-514350">
-              <a:buAutoNum type="arabicParenR"/>
-            </a:pPr>
-            <a:endParaRPr lang="en-US" dirty="0"/>
-          </a:p>
-          <a:p>
-            <a:pPr marL="514350" indent="-514350">
-              <a:buAutoNum type="arabicParenR"/>
-            </a:pPr>
-            <a:endParaRPr lang="en-US" dirty="0"/>
-          </a:p>
-        </p:txBody>
-      </p:sp>
-      <p:sp>
-        <p:nvSpPr>
-          <p:cNvPr id="4" name="Foliennummernplatzhalter 3"/>
-          <p:cNvSpPr>
-            <a:spLocks noGrp="1"/>
-          </p:cNvSpPr>
-          <p:nvPr>
-            <p:ph type="sldNum" sz="quarter" idx="12"/>
-          </p:nvPr>
-        </p:nvSpPr>
-        <p:spPr/>
-        <p:txBody>
-          <a:bodyPr/>
-          <a:lstStyle/>
-          <a:p>
-            <a:fld id="{C9E0B00B-E6DF-4183-A694-3DE28BEFB357}" type="slidenum">
-              <a:rPr lang="en-US" smtClean="0"/>
-              <a:t>19</a:t>
-            </a:fld>
-            <a:endParaRPr lang="en-US"/>
-          </a:p>
-        </p:txBody>
-      </p:sp>
-    </p:spTree>
-    <p:extLst>
-      <p:ext uri="{BB962C8B-B14F-4D97-AF65-F5344CB8AC3E}">
-        <p14:creationId xmlns:p14="http://schemas.microsoft.com/office/powerpoint/2010/main" val="435130784"/>
-      </p:ext>
-    </p:extLst>
-  </p:cSld>
-  <p:clrMapOvr>
-    <a:masterClrMapping/>
-  </p:clrMapOvr>
-</p:sld>
-</file>
-
 <file path=ppt/slides/slide2.xml><?xml version="1.0" encoding="utf-8"?>
 <p:sld xmlns:a="http://schemas.openxmlformats.org/drawingml/2006/main" xmlns:r="http://schemas.openxmlformats.org/officeDocument/2006/relationships" xmlns:p="http://schemas.openxmlformats.org/presentationml/2006/main">
   <p:cSld>
@@ -8908,7 +9296,7 @@
                   </a:outerShdw>
                 </a:effectLst>
               </a:rPr>
-              <a:t>Theoretical Background</a:t>
+              <a:t>Scraping</a:t>
             </a:r>
             <a:endParaRPr lang="en-US" b="1" dirty="0">
               <a:effectLst>
@@ -8991,47 +9379,184 @@
           <a:lstStyle/>
           <a:p>
             <a:r>
-              <a:rPr lang="en-US" b="1" dirty="0">
-                <a:effectLst>
-                  <a:outerShdw blurRad="38100" dist="38100" dir="2700000" algn="tl">
-                    <a:srgbClr val="000000">
-                      <a:alpha val="43137"/>
-                    </a:srgbClr>
-                  </a:outerShdw>
-                </a:effectLst>
+              <a:rPr lang="en-US" dirty="0"/>
+              <a:t>Stemming, Lemmatization</a:t>
+            </a:r>
+          </a:p>
+        </p:txBody>
+      </p:sp>
+      <p:sp>
+        <p:nvSpPr>
+          <p:cNvPr id="3" name="Inhaltsplatzhalter 2"/>
+          <p:cNvSpPr>
+            <a:spLocks noGrp="1"/>
+          </p:cNvSpPr>
+          <p:nvPr>
+            <p:ph idx="1"/>
+          </p:nvPr>
+        </p:nvSpPr>
+        <p:spPr>
+          <a:xfrm>
+            <a:off x="838200" y="1825624"/>
+            <a:ext cx="10515600" cy="4773479"/>
+          </a:xfrm>
+        </p:spPr>
+        <p:txBody>
+          <a:bodyPr>
+            <a:normAutofit lnSpcReduction="10000"/>
+          </a:bodyPr>
+          <a:lstStyle/>
+          <a:p>
+            <a:r>
+              <a:rPr lang="en-GB" dirty="0"/>
+              <a:t>Is not always a good idea</a:t>
+            </a:r>
+            <a:r>
+              <a:rPr lang="de-DE" dirty="0"/>
+              <a:t>: potential </a:t>
+            </a:r>
+            <a:r>
+              <a:rPr lang="de-DE" dirty="0" err="1"/>
+              <a:t>errors</a:t>
+            </a:r>
+            <a:endParaRPr lang="de-DE" dirty="0"/>
+          </a:p>
+          <a:p>
+            <a:pPr marL="0" indent="0">
+              <a:buNone/>
+            </a:pPr>
+            <a:endParaRPr lang="de-DE" dirty="0"/>
+          </a:p>
+          <a:p>
+            <a:pPr lvl="1"/>
+            <a:r>
+              <a:rPr lang="de-DE" dirty="0" err="1"/>
+              <a:t>Overstemming</a:t>
+            </a:r>
+            <a:r>
+              <a:rPr lang="de-DE" dirty="0"/>
+              <a:t>: </a:t>
+            </a:r>
+            <a:r>
+              <a:rPr lang="de-DE" i="1" dirty="0" err="1"/>
+              <a:t>politics</a:t>
+            </a:r>
+            <a:r>
+              <a:rPr lang="de-DE" i="1" dirty="0"/>
+              <a:t> </a:t>
+            </a:r>
+            <a:r>
+              <a:rPr lang="de-DE" i="1" dirty="0">
+                <a:sym typeface="Wingdings" panose="05000000000000000000" pitchFamily="2" charset="2"/>
               </a:rPr>
-              <a:t>Part II: Scraping &amp; Text Cleaning</a:t>
-            </a:r>
-          </a:p>
-        </p:txBody>
-      </p:sp>
-      <p:sp>
-        <p:nvSpPr>
-          <p:cNvPr id="3" name="Textplatzhalter 2"/>
-          <p:cNvSpPr>
-            <a:spLocks noGrp="1"/>
-          </p:cNvSpPr>
-          <p:nvPr>
-            <p:ph type="body" idx="1"/>
-          </p:nvPr>
-        </p:nvSpPr>
-        <p:spPr/>
-        <p:txBody>
-          <a:bodyPr/>
-          <a:lstStyle/>
-          <a:p>
-            <a:r>
-              <a:rPr lang="en-US" b="1" dirty="0">
-                <a:effectLst>
-                  <a:outerShdw blurRad="38100" dist="38100" dir="2700000" algn="tl">
-                    <a:srgbClr val="000000">
-                      <a:alpha val="43137"/>
-                    </a:srgbClr>
-                  </a:outerShdw>
-                </a:effectLst>
+              <a:t> </a:t>
+            </a:r>
+            <a:r>
+              <a:rPr lang="de-DE" i="1" dirty="0" err="1">
+                <a:sym typeface="Wingdings" panose="05000000000000000000" pitchFamily="2" charset="2"/>
               </a:rPr>
-              <a:t>Literature and References</a:t>
-            </a:r>
+              <a:t>polit</a:t>
+            </a:r>
+            <a:endParaRPr lang="de-DE" i="1" dirty="0"/>
+          </a:p>
+          <a:p>
+            <a:pPr lvl="1"/>
+            <a:r>
+              <a:rPr lang="de-DE" dirty="0" err="1"/>
+              <a:t>Understemming</a:t>
+            </a:r>
+            <a:r>
+              <a:rPr lang="de-DE" dirty="0"/>
+              <a:t>: </a:t>
+            </a:r>
+            <a:r>
+              <a:rPr lang="de-DE" i="1" dirty="0" err="1"/>
+              <a:t>travels</a:t>
+            </a:r>
+            <a:r>
+              <a:rPr lang="de-DE" i="1" dirty="0"/>
+              <a:t> </a:t>
+            </a:r>
+            <a:r>
+              <a:rPr lang="de-DE" i="1" dirty="0">
+                <a:sym typeface="Wingdings" panose="05000000000000000000" pitchFamily="2" charset="2"/>
+              </a:rPr>
+              <a:t> </a:t>
+            </a:r>
+            <a:r>
+              <a:rPr lang="de-DE" i="1" dirty="0" err="1">
+                <a:sym typeface="Wingdings" panose="05000000000000000000" pitchFamily="2" charset="2"/>
+              </a:rPr>
+              <a:t>trav</a:t>
+            </a:r>
+            <a:r>
+              <a:rPr lang="de-DE" i="1" dirty="0">
+                <a:sym typeface="Wingdings" panose="05000000000000000000" pitchFamily="2" charset="2"/>
+              </a:rPr>
+              <a:t> </a:t>
+            </a:r>
+            <a:r>
+              <a:rPr lang="de-DE" dirty="0">
+                <a:sym typeface="Wingdings" panose="05000000000000000000" pitchFamily="2" charset="2"/>
+              </a:rPr>
+              <a:t>but </a:t>
+            </a:r>
+            <a:r>
+              <a:rPr lang="de-DE" i="1" dirty="0" err="1">
+                <a:sym typeface="Wingdings" panose="05000000000000000000" pitchFamily="2" charset="2"/>
+              </a:rPr>
+              <a:t>travelled</a:t>
+            </a:r>
+            <a:r>
+              <a:rPr lang="de-DE" i="1" dirty="0">
+                <a:sym typeface="Wingdings" panose="05000000000000000000" pitchFamily="2" charset="2"/>
+              </a:rPr>
+              <a:t>  </a:t>
+            </a:r>
+            <a:r>
+              <a:rPr lang="de-DE" i="1" dirty="0" err="1">
+                <a:sym typeface="Wingdings" panose="05000000000000000000" pitchFamily="2" charset="2"/>
+              </a:rPr>
+              <a:t>travel</a:t>
+            </a:r>
+            <a:endParaRPr lang="en-GB" i="1" dirty="0"/>
+          </a:p>
+          <a:p>
+            <a:endParaRPr lang="de-DE" dirty="0"/>
+          </a:p>
+          <a:p>
+            <a:r>
+              <a:rPr lang="en-US" dirty="0"/>
+              <a:t>Another technique: Lemmatization </a:t>
+            </a:r>
+          </a:p>
+          <a:p>
+            <a:endParaRPr lang="en-US" dirty="0"/>
+          </a:p>
+          <a:p>
+            <a:pPr lvl="1"/>
+            <a:r>
+              <a:rPr lang="en-US" dirty="0"/>
+              <a:t>Get back to the root word (not root stem)</a:t>
+            </a:r>
+          </a:p>
+          <a:p>
+            <a:pPr lvl="1"/>
+            <a:r>
+              <a:rPr lang="en-US" dirty="0"/>
+              <a:t>Difference: the lemma will always be present in the dictionary (lexicographically correct word)</a:t>
+            </a:r>
+          </a:p>
+          <a:p>
+            <a:pPr lvl="1"/>
+            <a:r>
+              <a:rPr lang="en-US" dirty="0"/>
+              <a:t>Slower</a:t>
+            </a:r>
+          </a:p>
+          <a:p>
+            <a:pPr lvl="1"/>
+            <a:endParaRPr lang="en-US" dirty="0"/>
           </a:p>
         </p:txBody>
       </p:sp>
@@ -9061,7 +9586,7 @@
     </p:spTree>
     <p:extLst>
       <p:ext uri="{BB962C8B-B14F-4D97-AF65-F5344CB8AC3E}">
-        <p14:creationId xmlns:p14="http://schemas.microsoft.com/office/powerpoint/2010/main" val="3419717452"/>
+        <p14:creationId xmlns:p14="http://schemas.microsoft.com/office/powerpoint/2010/main" val="4273802801"/>
       </p:ext>
     </p:extLst>
   </p:cSld>
@@ -9090,6 +9615,484 @@
       </p:grpSpPr>
       <p:sp>
         <p:nvSpPr>
+          <p:cNvPr id="2" name="Titel 1"/>
+          <p:cNvSpPr>
+            <a:spLocks noGrp="1"/>
+          </p:cNvSpPr>
+          <p:nvPr>
+            <p:ph type="title"/>
+          </p:nvPr>
+        </p:nvSpPr>
+        <p:spPr/>
+        <p:txBody>
+          <a:bodyPr/>
+          <a:lstStyle/>
+          <a:p>
+            <a:r>
+              <a:rPr lang="en-US" b="1" dirty="0">
+                <a:effectLst>
+                  <a:outerShdw blurRad="38100" dist="38100" dir="2700000" algn="tl">
+                    <a:srgbClr val="000000">
+                      <a:alpha val="43137"/>
+                    </a:srgbClr>
+                  </a:outerShdw>
+                </a:effectLst>
+              </a:rPr>
+              <a:t>Part II: Scraping &amp; Text Cleaning</a:t>
+            </a:r>
+          </a:p>
+        </p:txBody>
+      </p:sp>
+      <p:sp>
+        <p:nvSpPr>
+          <p:cNvPr id="3" name="Textplatzhalter 2"/>
+          <p:cNvSpPr>
+            <a:spLocks noGrp="1"/>
+          </p:cNvSpPr>
+          <p:nvPr>
+            <p:ph type="body" idx="1"/>
+          </p:nvPr>
+        </p:nvSpPr>
+        <p:spPr/>
+        <p:txBody>
+          <a:bodyPr/>
+          <a:lstStyle/>
+          <a:p>
+            <a:r>
+              <a:rPr lang="en-US" b="1" dirty="0">
+                <a:effectLst>
+                  <a:outerShdw blurRad="38100" dist="38100" dir="2700000" algn="tl">
+                    <a:srgbClr val="000000">
+                      <a:alpha val="43137"/>
+                    </a:srgbClr>
+                  </a:outerShdw>
+                </a:effectLst>
+              </a:rPr>
+              <a:t>Practical Application</a:t>
+            </a:r>
+          </a:p>
+        </p:txBody>
+      </p:sp>
+      <p:sp>
+        <p:nvSpPr>
+          <p:cNvPr id="4" name="Foliennummernplatzhalter 3"/>
+          <p:cNvSpPr>
+            <a:spLocks noGrp="1"/>
+          </p:cNvSpPr>
+          <p:nvPr>
+            <p:ph type="sldNum" sz="quarter" idx="12"/>
+          </p:nvPr>
+        </p:nvSpPr>
+        <p:spPr/>
+        <p:txBody>
+          <a:bodyPr/>
+          <a:lstStyle/>
+          <a:p>
+            <a:fld id="{C9E0B00B-E6DF-4183-A694-3DE28BEFB357}" type="slidenum">
+              <a:rPr lang="en-US" smtClean="0"/>
+              <a:t>21</a:t>
+            </a:fld>
+            <a:endParaRPr lang="en-US"/>
+          </a:p>
+        </p:txBody>
+      </p:sp>
+    </p:spTree>
+    <p:extLst>
+      <p:ext uri="{BB962C8B-B14F-4D97-AF65-F5344CB8AC3E}">
+        <p14:creationId xmlns:p14="http://schemas.microsoft.com/office/powerpoint/2010/main" val="870340316"/>
+      </p:ext>
+    </p:extLst>
+  </p:cSld>
+  <p:clrMapOvr>
+    <a:masterClrMapping/>
+  </p:clrMapOvr>
+</p:sld>
+</file>
+
+<file path=ppt/slides/slide22.xml><?xml version="1.0" encoding="utf-8"?>
+<p:sld xmlns:a="http://schemas.openxmlformats.org/drawingml/2006/main" xmlns:r="http://schemas.openxmlformats.org/officeDocument/2006/relationships" xmlns:p="http://schemas.openxmlformats.org/presentationml/2006/main">
+  <p:cSld>
+    <p:spTree>
+      <p:nvGrpSpPr>
+        <p:cNvPr id="1" name=""/>
+        <p:cNvGrpSpPr/>
+        <p:nvPr/>
+      </p:nvGrpSpPr>
+      <p:grpSpPr>
+        <a:xfrm>
+          <a:off x="0" y="0"/>
+          <a:ext cx="0" cy="0"/>
+          <a:chOff x="0" y="0"/>
+          <a:chExt cx="0" cy="0"/>
+        </a:xfrm>
+      </p:grpSpPr>
+      <p:sp>
+        <p:nvSpPr>
+          <p:cNvPr id="3" name="Inhaltsplatzhalter 2"/>
+          <p:cNvSpPr>
+            <a:spLocks noGrp="1"/>
+          </p:cNvSpPr>
+          <p:nvPr>
+            <p:ph idx="1"/>
+          </p:nvPr>
+        </p:nvSpPr>
+        <p:spPr>
+          <a:xfrm>
+            <a:off x="838200" y="385011"/>
+            <a:ext cx="10515600" cy="6336464"/>
+          </a:xfrm>
+        </p:spPr>
+        <p:txBody>
+          <a:bodyPr>
+            <a:normAutofit/>
+          </a:bodyPr>
+          <a:lstStyle/>
+          <a:p>
+            <a:pPr marL="0" indent="0">
+              <a:buNone/>
+            </a:pPr>
+            <a:r>
+              <a:rPr lang="en-US" b="1" u="sng" dirty="0"/>
+              <a:t>Preparation</a:t>
+            </a:r>
+            <a:r>
+              <a:rPr lang="en-US" dirty="0"/>
+              <a:t>: </a:t>
+            </a:r>
+          </a:p>
+          <a:p>
+            <a:pPr marL="914400" lvl="1" indent="-457200">
+              <a:buFont typeface="+mj-lt"/>
+              <a:buAutoNum type="arabicParenR"/>
+            </a:pPr>
+            <a:r>
+              <a:rPr lang="en-US" dirty="0"/>
+              <a:t>Get an access to Google Collab</a:t>
+            </a:r>
+          </a:p>
+          <a:p>
+            <a:pPr marL="914400" lvl="1" indent="-457200">
+              <a:buFont typeface="+mj-lt"/>
+              <a:buAutoNum type="arabicParenR"/>
+            </a:pPr>
+            <a:r>
+              <a:rPr lang="en-US" dirty="0"/>
+              <a:t>Open </a:t>
+            </a:r>
+            <a:r>
+              <a:rPr lang="en-US" dirty="0" err="1"/>
+              <a:t>Jupyter</a:t>
+            </a:r>
+            <a:r>
+              <a:rPr lang="en-US" dirty="0"/>
+              <a:t> Notebook: </a:t>
+            </a:r>
+            <a:r>
+              <a:rPr lang="en-US" dirty="0" err="1"/>
+              <a:t>Tutorial_Scraping_RegEx.ipynb</a:t>
+            </a:r>
+            <a:endParaRPr lang="en-US" dirty="0"/>
+          </a:p>
+          <a:p>
+            <a:pPr marL="914400" lvl="1" indent="-457200">
+              <a:buFont typeface="+mj-lt"/>
+              <a:buAutoNum type="arabicParenR"/>
+            </a:pPr>
+            <a:r>
+              <a:rPr lang="en-US" dirty="0"/>
+              <a:t>Set up R</a:t>
+            </a:r>
+          </a:p>
+          <a:p>
+            <a:pPr marL="0" indent="0">
+              <a:buNone/>
+            </a:pPr>
+            <a:r>
+              <a:rPr lang="en-US" b="1" u="sng" dirty="0"/>
+              <a:t>Exercises:</a:t>
+            </a:r>
+          </a:p>
+          <a:p>
+            <a:pPr marL="971550" lvl="1" indent="-514350">
+              <a:buFont typeface="Arial" panose="020B0604020202020204" pitchFamily="34" charset="0"/>
+              <a:buAutoNum type="arabicParenR"/>
+            </a:pPr>
+            <a:r>
+              <a:rPr lang="en-US" dirty="0"/>
+              <a:t>Web Scraping: Extract the Titles and Texts from the following webpage and save in a data frame: https://practicewebscrapingsite.wordpress.com/example-1</a:t>
+            </a:r>
+          </a:p>
+          <a:p>
+            <a:pPr marL="971550" lvl="1" indent="-514350">
+              <a:buFont typeface="Arial" panose="020B0604020202020204" pitchFamily="34" charset="0"/>
+              <a:buAutoNum type="arabicParenR"/>
+            </a:pPr>
+            <a:r>
+              <a:rPr lang="en-US" dirty="0"/>
+              <a:t>Twitter Scraping: </a:t>
+            </a:r>
+          </a:p>
+          <a:p>
+            <a:pPr marL="1428750" lvl="2" indent="-514350">
+              <a:buFont typeface="Arial" panose="020B0604020202020204" pitchFamily="34" charset="0"/>
+              <a:buAutoNum type="arabicParenR"/>
+            </a:pPr>
+            <a:r>
+              <a:rPr lang="en-US" dirty="0"/>
+              <a:t>Scrape 500 tweets with hashtag “</a:t>
+            </a:r>
+            <a:r>
+              <a:rPr lang="en-US" dirty="0" err="1"/>
+              <a:t>covid</a:t>
+            </a:r>
+            <a:r>
+              <a:rPr lang="en-US" dirty="0"/>
+              <a:t>” (exclude retweets)</a:t>
+            </a:r>
+          </a:p>
+          <a:p>
+            <a:pPr marL="1428750" lvl="2" indent="-514350">
+              <a:buFont typeface="Arial" panose="020B0604020202020204" pitchFamily="34" charset="0"/>
+              <a:buAutoNum type="arabicParenR"/>
+            </a:pPr>
+            <a:r>
+              <a:rPr lang="en-US" dirty="0"/>
+              <a:t>Visualize the timeline by hours and by minutes. Which one is more appropriate?</a:t>
+            </a:r>
+          </a:p>
+          <a:p>
+            <a:pPr marL="1428750" lvl="2" indent="-514350">
+              <a:buFont typeface="Arial" panose="020B0604020202020204" pitchFamily="34" charset="0"/>
+              <a:buAutoNum type="arabicParenR"/>
+            </a:pPr>
+            <a:r>
+              <a:rPr lang="en-US" dirty="0"/>
+              <a:t>Print the most retweeted tweet.</a:t>
+            </a:r>
+          </a:p>
+          <a:p>
+            <a:pPr marL="914400" lvl="1" indent="-457200">
+              <a:buAutoNum type="arabicParenR" startAt="3"/>
+            </a:pPr>
+            <a:r>
+              <a:rPr lang="en-US" dirty="0"/>
+              <a:t>Regular Expressions:</a:t>
+            </a:r>
+          </a:p>
+          <a:p>
+            <a:pPr marL="914400" lvl="2" indent="0">
+              <a:buNone/>
+            </a:pPr>
+            <a:r>
+              <a:rPr lang="en-US" dirty="0"/>
+              <a:t>1)     See:  </a:t>
+            </a:r>
+            <a:r>
+              <a:rPr lang="en-US" dirty="0" err="1"/>
+              <a:t>Tutorial_Scraping_RegEx.ipynb</a:t>
+            </a:r>
+            <a:endParaRPr lang="en-US" dirty="0"/>
+          </a:p>
+          <a:p>
+            <a:pPr marL="914400" lvl="2" indent="0">
+              <a:buNone/>
+            </a:pPr>
+            <a:endParaRPr lang="en-US" dirty="0"/>
+          </a:p>
+          <a:p>
+            <a:pPr marL="457200" lvl="1" indent="0">
+              <a:buNone/>
+            </a:pPr>
+            <a:endParaRPr lang="en-US" dirty="0"/>
+          </a:p>
+          <a:p>
+            <a:pPr marL="0" indent="0">
+              <a:buNone/>
+            </a:pPr>
+            <a:endParaRPr lang="en-US" dirty="0"/>
+          </a:p>
+          <a:p>
+            <a:pPr marL="514350" indent="-514350">
+              <a:buAutoNum type="arabicParenR"/>
+            </a:pPr>
+            <a:endParaRPr lang="en-US" dirty="0"/>
+          </a:p>
+          <a:p>
+            <a:pPr marL="514350" indent="-514350">
+              <a:buAutoNum type="arabicParenR"/>
+            </a:pPr>
+            <a:endParaRPr lang="en-US" dirty="0"/>
+          </a:p>
+        </p:txBody>
+      </p:sp>
+      <p:sp>
+        <p:nvSpPr>
+          <p:cNvPr id="4" name="Foliennummernplatzhalter 3"/>
+          <p:cNvSpPr>
+            <a:spLocks noGrp="1"/>
+          </p:cNvSpPr>
+          <p:nvPr>
+            <p:ph type="sldNum" sz="quarter" idx="12"/>
+          </p:nvPr>
+        </p:nvSpPr>
+        <p:spPr/>
+        <p:txBody>
+          <a:bodyPr/>
+          <a:lstStyle/>
+          <a:p>
+            <a:fld id="{C9E0B00B-E6DF-4183-A694-3DE28BEFB357}" type="slidenum">
+              <a:rPr lang="en-US" smtClean="0"/>
+              <a:t>22</a:t>
+            </a:fld>
+            <a:endParaRPr lang="en-US"/>
+          </a:p>
+        </p:txBody>
+      </p:sp>
+    </p:spTree>
+    <p:extLst>
+      <p:ext uri="{BB962C8B-B14F-4D97-AF65-F5344CB8AC3E}">
+        <p14:creationId xmlns:p14="http://schemas.microsoft.com/office/powerpoint/2010/main" val="435130784"/>
+      </p:ext>
+    </p:extLst>
+  </p:cSld>
+  <p:clrMapOvr>
+    <a:masterClrMapping/>
+  </p:clrMapOvr>
+</p:sld>
+</file>
+
+<file path=ppt/slides/slide23.xml><?xml version="1.0" encoding="utf-8"?>
+<p:sld xmlns:a="http://schemas.openxmlformats.org/drawingml/2006/main" xmlns:r="http://schemas.openxmlformats.org/officeDocument/2006/relationships" xmlns:p="http://schemas.openxmlformats.org/presentationml/2006/main">
+  <p:cSld>
+    <p:spTree>
+      <p:nvGrpSpPr>
+        <p:cNvPr id="1" name=""/>
+        <p:cNvGrpSpPr/>
+        <p:nvPr/>
+      </p:nvGrpSpPr>
+      <p:grpSpPr>
+        <a:xfrm>
+          <a:off x="0" y="0"/>
+          <a:ext cx="0" cy="0"/>
+          <a:chOff x="0" y="0"/>
+          <a:chExt cx="0" cy="0"/>
+        </a:xfrm>
+      </p:grpSpPr>
+      <p:sp>
+        <p:nvSpPr>
+          <p:cNvPr id="2" name="Titel 1"/>
+          <p:cNvSpPr>
+            <a:spLocks noGrp="1"/>
+          </p:cNvSpPr>
+          <p:nvPr>
+            <p:ph type="title"/>
+          </p:nvPr>
+        </p:nvSpPr>
+        <p:spPr/>
+        <p:txBody>
+          <a:bodyPr/>
+          <a:lstStyle/>
+          <a:p>
+            <a:r>
+              <a:rPr lang="en-US" b="1" dirty="0">
+                <a:effectLst>
+                  <a:outerShdw blurRad="38100" dist="38100" dir="2700000" algn="tl">
+                    <a:srgbClr val="000000">
+                      <a:alpha val="43137"/>
+                    </a:srgbClr>
+                  </a:outerShdw>
+                </a:effectLst>
+              </a:rPr>
+              <a:t>Part II: Scraping &amp; Text Cleaning</a:t>
+            </a:r>
+          </a:p>
+        </p:txBody>
+      </p:sp>
+      <p:sp>
+        <p:nvSpPr>
+          <p:cNvPr id="3" name="Textplatzhalter 2"/>
+          <p:cNvSpPr>
+            <a:spLocks noGrp="1"/>
+          </p:cNvSpPr>
+          <p:nvPr>
+            <p:ph type="body" idx="1"/>
+          </p:nvPr>
+        </p:nvSpPr>
+        <p:spPr/>
+        <p:txBody>
+          <a:bodyPr/>
+          <a:lstStyle/>
+          <a:p>
+            <a:r>
+              <a:rPr lang="en-US" b="1" dirty="0">
+                <a:effectLst>
+                  <a:outerShdw blurRad="38100" dist="38100" dir="2700000" algn="tl">
+                    <a:srgbClr val="000000">
+                      <a:alpha val="43137"/>
+                    </a:srgbClr>
+                  </a:outerShdw>
+                </a:effectLst>
+              </a:rPr>
+              <a:t>Literature and References</a:t>
+            </a:r>
+          </a:p>
+        </p:txBody>
+      </p:sp>
+      <p:sp>
+        <p:nvSpPr>
+          <p:cNvPr id="4" name="Foliennummernplatzhalter 3"/>
+          <p:cNvSpPr>
+            <a:spLocks noGrp="1"/>
+          </p:cNvSpPr>
+          <p:nvPr>
+            <p:ph type="sldNum" sz="quarter" idx="12"/>
+          </p:nvPr>
+        </p:nvSpPr>
+        <p:spPr/>
+        <p:txBody>
+          <a:bodyPr/>
+          <a:lstStyle/>
+          <a:p>
+            <a:fld id="{C9E0B00B-E6DF-4183-A694-3DE28BEFB357}" type="slidenum">
+              <a:rPr lang="en-US" smtClean="0"/>
+              <a:t>23</a:t>
+            </a:fld>
+            <a:endParaRPr lang="en-US"/>
+          </a:p>
+        </p:txBody>
+      </p:sp>
+    </p:spTree>
+    <p:extLst>
+      <p:ext uri="{BB962C8B-B14F-4D97-AF65-F5344CB8AC3E}">
+        <p14:creationId xmlns:p14="http://schemas.microsoft.com/office/powerpoint/2010/main" val="3419717452"/>
+      </p:ext>
+    </p:extLst>
+  </p:cSld>
+  <p:clrMapOvr>
+    <a:masterClrMapping/>
+  </p:clrMapOvr>
+</p:sld>
+</file>
+
+<file path=ppt/slides/slide24.xml><?xml version="1.0" encoding="utf-8"?>
+<p:sld xmlns:a="http://schemas.openxmlformats.org/drawingml/2006/main" xmlns:r="http://schemas.openxmlformats.org/officeDocument/2006/relationships" xmlns:p="http://schemas.openxmlformats.org/presentationml/2006/main">
+  <p:cSld>
+    <p:spTree>
+      <p:nvGrpSpPr>
+        <p:cNvPr id="1" name=""/>
+        <p:cNvGrpSpPr/>
+        <p:nvPr/>
+      </p:nvGrpSpPr>
+      <p:grpSpPr>
+        <a:xfrm>
+          <a:off x="0" y="0"/>
+          <a:ext cx="0" cy="0"/>
+          <a:chOff x="0" y="0"/>
+          <a:chExt cx="0" cy="0"/>
+        </a:xfrm>
+      </p:grpSpPr>
+      <p:sp>
+        <p:nvSpPr>
           <p:cNvPr id="3" name="Inhaltsplatzhalter 2"/>
           <p:cNvSpPr>
             <a:spLocks noGrp="1"/>
@@ -9137,7 +10140,7 @@
           <a:p>
             <a:fld id="{C9E0B00B-E6DF-4183-A694-3DE28BEFB357}" type="slidenum">
               <a:rPr lang="en-US" smtClean="0"/>
-              <a:t>21</a:t>
+              <a:t>24</a:t>
             </a:fld>
             <a:endParaRPr lang="en-US"/>
           </a:p>
@@ -10536,7 +11539,7 @@
             </a:r>
             <a:r>
               <a:rPr lang="en-US" b="1"/>
-              <a:t>Demo</a:t>
+              <a:t>Example Demo</a:t>
             </a:r>
           </a:p>
         </p:txBody>
@@ -10792,7 +11795,7 @@
             </a:r>
             <a:r>
               <a:rPr lang="en-US" b="1"/>
-              <a:t>Demo</a:t>
+              <a:t>Example Demo</a:t>
             </a:r>
           </a:p>
         </p:txBody>
@@ -10825,7 +11828,7 @@
           <a:p>
             <a:r>
               <a:rPr lang="de-DE" b="1"/>
-              <a:t>Possible guide</a:t>
+              <a:t>Guide</a:t>
             </a:r>
           </a:p>
           <a:p>
@@ -11045,7 +12048,7 @@
             </a:r>
             <a:r>
               <a:rPr lang="en-US" b="1"/>
-              <a:t>Demo</a:t>
+              <a:t>Example Demo</a:t>
             </a:r>
           </a:p>
         </p:txBody>
